--- a/pdf_ppt/2.OpenCV/Open_cv_04_기본 연산.pptx
+++ b/pdf_ppt/2.OpenCV/Open_cv_04_기본 연산.pptx
@@ -5,10 +5,10 @@
     <p:sldMasterId id="2147483942" r:id="rId1"/>
   </p:sldMasterIdLst>
   <p:notesMasterIdLst>
-    <p:notesMasterId r:id="rId10"/>
+    <p:notesMasterId r:id="rId19"/>
   </p:notesMasterIdLst>
   <p:handoutMasterIdLst>
-    <p:handoutMasterId r:id="rId11"/>
+    <p:handoutMasterId r:id="rId20"/>
   </p:handoutMasterIdLst>
   <p:sldIdLst>
     <p:sldId id="256" r:id="rId2"/>
@@ -19,6 +19,15 @@
     <p:sldId id="291" r:id="rId7"/>
     <p:sldId id="292" r:id="rId8"/>
     <p:sldId id="293" r:id="rId9"/>
+    <p:sldId id="294" r:id="rId10"/>
+    <p:sldId id="295" r:id="rId11"/>
+    <p:sldId id="296" r:id="rId12"/>
+    <p:sldId id="297" r:id="rId13"/>
+    <p:sldId id="298" r:id="rId14"/>
+    <p:sldId id="299" r:id="rId15"/>
+    <p:sldId id="300" r:id="rId16"/>
+    <p:sldId id="301" r:id="rId17"/>
+    <p:sldId id="302" r:id="rId18"/>
   </p:sldIdLst>
   <p:sldSz cx="9144000" cy="6858000" type="screen4x3"/>
   <p:notesSz cx="6858000" cy="9144000"/>
@@ -232,7 +241,7 @@
           <a:p>
             <a:fld id="{44C269C3-C25E-41E8-815A-55A10694EC72}" type="datetimeFigureOut">
               <a:rPr lang="ko-KR" altLang="en-US" smtClean="0"/>
-              <a:t>2023-06-26</a:t>
+              <a:t>2023-06-27</a:t>
             </a:fld>
             <a:endParaRPr lang="ko-KR" altLang="en-US"/>
           </a:p>
@@ -397,7 +406,7 @@
           <a:p>
             <a:fld id="{ADE0290A-1521-4E2C-B981-7952210E2E19}" type="datetimeFigureOut">
               <a:rPr lang="ko-KR" altLang="en-US" smtClean="0"/>
-              <a:t>2023-06-26</a:t>
+              <a:t>2023-06-27</a:t>
             </a:fld>
             <a:endParaRPr lang="ko-KR" altLang="en-US"/>
           </a:p>
@@ -1657,7 +1666,7 @@
             <a:fld id="{23A271A1-F6D6-438B-A432-4747EE7ECD40}" type="datetimeFigureOut">
               <a:rPr lang="en-US" smtClean="0"/>
               <a:pPr eaLnBrk="1" latinLnBrk="0" hangingPunct="1"/>
-              <a:t>6/26/2023</a:t>
+              <a:t>6/27/2023</a:t>
             </a:fld>
             <a:endParaRPr lang="en-US"/>
           </a:p>
@@ -2756,6 +2765,2709 @@
 </p:sld>
 </file>
 
+<file path=ppt/slides/slide10.xml><?xml version="1.0" encoding="utf-8"?>
+<p:sld xmlns:a="http://schemas.openxmlformats.org/drawingml/2006/main" xmlns:r="http://schemas.openxmlformats.org/officeDocument/2006/relationships" xmlns:p="http://schemas.openxmlformats.org/presentationml/2006/main">
+  <p:cSld>
+    <p:spTree>
+      <p:nvGrpSpPr>
+        <p:cNvPr id="1" name=""/>
+        <p:cNvGrpSpPr/>
+        <p:nvPr/>
+      </p:nvGrpSpPr>
+      <p:grpSpPr>
+        <a:xfrm>
+          <a:off x="0" y="0"/>
+          <a:ext cx="0" cy="0"/>
+          <a:chOff x="0" y="0"/>
+          <a:chExt cx="0" cy="0"/>
+        </a:xfrm>
+      </p:grpSpPr>
+      <p:sp>
+        <p:nvSpPr>
+          <p:cNvPr id="2" name="제목 1"/>
+          <p:cNvSpPr>
+            <a:spLocks noGrp="1"/>
+          </p:cNvSpPr>
+          <p:nvPr>
+            <p:ph type="title"/>
+          </p:nvPr>
+        </p:nvSpPr>
+        <p:spPr/>
+        <p:txBody>
+          <a:bodyPr/>
+          <a:lstStyle/>
+          <a:p>
+            <a:r>
+              <a:rPr lang="en-US" altLang="ko-KR" dirty="0" smtClean="0"/>
+              <a:t>4.6 </a:t>
+            </a:r>
+            <a:r>
+              <a:rPr lang="ko-KR" altLang="en-US" dirty="0" smtClean="0"/>
+              <a:t>영상의 크기 변환과 회전</a:t>
+            </a:r>
+            <a:endParaRPr lang="ko-KR" altLang="en-US" dirty="0"/>
+          </a:p>
+        </p:txBody>
+      </p:sp>
+      <p:sp>
+        <p:nvSpPr>
+          <p:cNvPr id="3" name="내용 개체 틀 2"/>
+          <p:cNvSpPr>
+            <a:spLocks noGrp="1"/>
+          </p:cNvSpPr>
+          <p:nvPr>
+            <p:ph idx="1"/>
+          </p:nvPr>
+        </p:nvSpPr>
+        <p:spPr/>
+        <p:txBody>
+          <a:bodyPr/>
+          <a:lstStyle/>
+          <a:p>
+            <a:r>
+              <a:rPr lang="ko-KR" altLang="en-US" dirty="0"/>
+              <a:t>크기 변경 수식</a:t>
+            </a:r>
+            <a:endParaRPr lang="en-US" altLang="ko-KR" dirty="0"/>
+          </a:p>
+          <a:p>
+            <a:pPr lvl="1"/>
+            <a:r>
+              <a:rPr lang="ko-KR" altLang="en-US" dirty="0"/>
+              <a:t>변경 비율 및 변경 크기 </a:t>
+            </a:r>
+            <a:r>
+              <a:rPr lang="ko-KR" altLang="en-US" dirty="0" smtClean="0"/>
+              <a:t>이용</a:t>
+            </a:r>
+            <a:endParaRPr lang="en-US" altLang="ko-KR" dirty="0" smtClean="0"/>
+          </a:p>
+          <a:p>
+            <a:pPr lvl="1"/>
+            <a:endParaRPr lang="en-US" altLang="ko-KR" dirty="0"/>
+          </a:p>
+          <a:p>
+            <a:pPr lvl="1"/>
+            <a:endParaRPr lang="en-US" altLang="ko-KR" dirty="0" smtClean="0"/>
+          </a:p>
+          <a:p>
+            <a:pPr lvl="1"/>
+            <a:endParaRPr lang="en-US" altLang="ko-KR" dirty="0"/>
+          </a:p>
+          <a:p>
+            <a:pPr lvl="1"/>
+            <a:endParaRPr lang="en-US" altLang="ko-KR" dirty="0" smtClean="0"/>
+          </a:p>
+          <a:p>
+            <a:pPr lvl="1"/>
+            <a:r>
+              <a:rPr lang="ko-KR" altLang="en-US" dirty="0" smtClean="0"/>
+              <a:t>크기 </a:t>
+            </a:r>
+            <a:r>
+              <a:rPr lang="ko-KR" altLang="en-US" dirty="0" err="1" smtClean="0"/>
+              <a:t>변경시</a:t>
+            </a:r>
+            <a:r>
+              <a:rPr lang="ko-KR" altLang="en-US" dirty="0" smtClean="0"/>
+              <a:t> 데이터의 총 수가 모자라기 때문에 홀이 발생한다</a:t>
+            </a:r>
+            <a:r>
+              <a:rPr lang="en-US" altLang="ko-KR" dirty="0" smtClean="0"/>
+              <a:t>. </a:t>
+            </a:r>
+          </a:p>
+          <a:p>
+            <a:pPr lvl="1"/>
+            <a:r>
+              <a:rPr lang="ko-KR" altLang="en-US" dirty="0" smtClean="0"/>
+              <a:t>보간을 통해 이것을 해결</a:t>
+            </a:r>
+            <a:endParaRPr lang="ko-KR" altLang="en-US" dirty="0"/>
+          </a:p>
+          <a:p>
+            <a:r>
+              <a:rPr lang="ko-KR" altLang="en-US" dirty="0" err="1" smtClean="0"/>
+              <a:t>최근접</a:t>
+            </a:r>
+            <a:r>
+              <a:rPr lang="ko-KR" altLang="en-US" dirty="0" smtClean="0"/>
+              <a:t> 이웃 보간</a:t>
+            </a:r>
+            <a:endParaRPr lang="en-US" altLang="ko-KR" dirty="0" smtClean="0"/>
+          </a:p>
+          <a:p>
+            <a:endParaRPr lang="en-US" altLang="ko-KR" dirty="0"/>
+          </a:p>
+          <a:p>
+            <a:endParaRPr lang="en-US" altLang="ko-KR" dirty="0" smtClean="0"/>
+          </a:p>
+          <a:p>
+            <a:endParaRPr lang="en-US" altLang="ko-KR" dirty="0"/>
+          </a:p>
+          <a:p>
+            <a:endParaRPr lang="en-US" altLang="ko-KR" dirty="0" smtClean="0"/>
+          </a:p>
+          <a:p>
+            <a:r>
+              <a:rPr lang="ko-KR" altLang="en-US" dirty="0" err="1">
+                <a:sym typeface="Wingdings" panose="05000000000000000000" pitchFamily="2" charset="2"/>
+              </a:rPr>
+              <a:t>양선형</a:t>
+            </a:r>
+            <a:r>
+              <a:rPr lang="ko-KR" altLang="en-US" dirty="0">
+                <a:sym typeface="Wingdings" panose="05000000000000000000" pitchFamily="2" charset="2"/>
+              </a:rPr>
+              <a:t> </a:t>
+            </a:r>
+            <a:r>
+              <a:rPr lang="ko-KR" altLang="en-US" dirty="0" smtClean="0">
+                <a:sym typeface="Wingdings" panose="05000000000000000000" pitchFamily="2" charset="2"/>
+              </a:rPr>
+              <a:t>보간</a:t>
+            </a:r>
+            <a:endParaRPr lang="en-US" altLang="ko-KR" dirty="0" smtClean="0">
+              <a:sym typeface="Wingdings" panose="05000000000000000000" pitchFamily="2" charset="2"/>
+            </a:endParaRPr>
+          </a:p>
+          <a:p>
+            <a:pPr lvl="1"/>
+            <a:r>
+              <a:rPr lang="ko-KR" altLang="en-US" dirty="0" err="1"/>
+              <a:t>목적영상</a:t>
+            </a:r>
+            <a:r>
+              <a:rPr lang="ko-KR" altLang="en-US" dirty="0"/>
+              <a:t> </a:t>
+            </a:r>
+            <a:r>
+              <a:rPr lang="ko-KR" altLang="en-US" dirty="0" err="1"/>
+              <a:t>화소</a:t>
+            </a:r>
+            <a:r>
+              <a:rPr lang="en-US" altLang="ko-KR" dirty="0"/>
+              <a:t>(P)</a:t>
+            </a:r>
+            <a:r>
+              <a:rPr lang="ko-KR" altLang="en-US" dirty="0"/>
+              <a:t>를 </a:t>
+            </a:r>
+            <a:r>
+              <a:rPr lang="ko-KR" altLang="en-US" dirty="0" err="1"/>
+              <a:t>역변환으로</a:t>
+            </a:r>
+            <a:r>
+              <a:rPr lang="ko-KR" altLang="en-US" dirty="0"/>
+              <a:t> 계산하여 가장 가까운 위치에 있는 </a:t>
+            </a:r>
+            <a:r>
+              <a:rPr lang="ko-KR" altLang="en-US" dirty="0" err="1"/>
+              <a:t>입력영상의</a:t>
+            </a:r>
+            <a:r>
+              <a:rPr lang="ko-KR" altLang="en-US" dirty="0"/>
+              <a:t> </a:t>
+            </a:r>
+            <a:r>
+              <a:rPr lang="en-US" altLang="ko-KR" dirty="0"/>
+              <a:t>4</a:t>
+            </a:r>
+            <a:r>
+              <a:rPr lang="ko-KR" altLang="en-US" dirty="0"/>
+              <a:t>개 </a:t>
+            </a:r>
+            <a:r>
+              <a:rPr lang="ko-KR" altLang="en-US" dirty="0" err="1"/>
+              <a:t>화소</a:t>
+            </a:r>
+            <a:r>
+              <a:rPr lang="en-US" altLang="ko-KR" dirty="0"/>
+              <a:t>(A, B, C, D) </a:t>
+            </a:r>
+            <a:r>
+              <a:rPr lang="ko-KR" altLang="en-US" dirty="0"/>
+              <a:t>값 가져옴</a:t>
+            </a:r>
+            <a:endParaRPr lang="en-US" altLang="ko-KR" dirty="0"/>
+          </a:p>
+          <a:p>
+            <a:pPr lvl="1"/>
+            <a:r>
+              <a:rPr lang="en-US" altLang="ko-KR" dirty="0"/>
+              <a:t>4</a:t>
+            </a:r>
+            <a:r>
+              <a:rPr lang="ko-KR" altLang="en-US" dirty="0"/>
+              <a:t>개 </a:t>
+            </a:r>
+            <a:r>
+              <a:rPr lang="ko-KR" altLang="en-US" dirty="0" err="1"/>
+              <a:t>화소를</a:t>
+            </a:r>
+            <a:r>
+              <a:rPr lang="ko-KR" altLang="en-US" dirty="0"/>
+              <a:t> 두 개씩</a:t>
+            </a:r>
+            <a:r>
+              <a:rPr lang="en-US" altLang="ko-KR" dirty="0"/>
+              <a:t>(AB, CD) </a:t>
+            </a:r>
+            <a:r>
+              <a:rPr lang="ko-KR" altLang="en-US" dirty="0"/>
+              <a:t>묶어서 두 </a:t>
+            </a:r>
+            <a:r>
+              <a:rPr lang="ko-KR" altLang="en-US" dirty="0" err="1"/>
+              <a:t>화소를</a:t>
+            </a:r>
+            <a:r>
+              <a:rPr lang="ko-KR" altLang="en-US" dirty="0"/>
+              <a:t> </a:t>
+            </a:r>
+            <a:r>
+              <a:rPr lang="ko-KR" altLang="en-US" dirty="0" err="1"/>
+              <a:t>화소값</a:t>
+            </a:r>
+            <a:r>
+              <a:rPr lang="en-US" altLang="ko-KR" dirty="0"/>
+              <a:t>(P</a:t>
+            </a:r>
+            <a:r>
+              <a:rPr lang="en-US" altLang="ko-KR" baseline="-25000" dirty="0"/>
+              <a:t>1</a:t>
+            </a:r>
+            <a:r>
+              <a:rPr lang="en-US" altLang="ko-KR" dirty="0"/>
+              <a:t>, P</a:t>
+            </a:r>
+            <a:r>
+              <a:rPr lang="en-US" altLang="ko-KR" baseline="-25000" dirty="0"/>
+              <a:t>2</a:t>
+            </a:r>
+            <a:r>
+              <a:rPr lang="en-US" altLang="ko-KR" dirty="0"/>
+              <a:t>, P</a:t>
+            </a:r>
+            <a:r>
+              <a:rPr lang="en-US" altLang="ko-KR" baseline="-25000" dirty="0"/>
+              <a:t>3</a:t>
+            </a:r>
+            <a:r>
+              <a:rPr lang="en-US" altLang="ko-KR" dirty="0"/>
+              <a:t>, P</a:t>
+            </a:r>
+            <a:r>
+              <a:rPr lang="en-US" altLang="ko-KR" baseline="-25000" dirty="0"/>
+              <a:t>4</a:t>
+            </a:r>
+            <a:r>
+              <a:rPr lang="en-US" altLang="ko-KR" dirty="0"/>
+              <a:t>)</a:t>
+            </a:r>
+            <a:r>
+              <a:rPr lang="ko-KR" altLang="en-US" dirty="0"/>
+              <a:t>으로 잇는 직선 구성</a:t>
+            </a:r>
+            <a:endParaRPr lang="en-US" altLang="ko-KR" dirty="0"/>
+          </a:p>
+          <a:p>
+            <a:endParaRPr lang="en-US" altLang="ko-KR" dirty="0" smtClean="0"/>
+          </a:p>
+          <a:p>
+            <a:endParaRPr lang="ko-KR" altLang="en-US" dirty="0"/>
+          </a:p>
+        </p:txBody>
+      </p:sp>
+      <p:pic>
+        <p:nvPicPr>
+          <p:cNvPr id="4" name="Picture 2"/>
+          <p:cNvPicPr>
+            <a:picLocks noChangeAspect="1" noChangeArrowheads="1"/>
+          </p:cNvPicPr>
+          <p:nvPr/>
+        </p:nvPicPr>
+        <p:blipFill>
+          <a:blip r:embed="rId2">
+            <a:extLst>
+              <a:ext uri="{28A0092B-C50C-407E-A947-70E740481C1C}">
+                <a14:useLocalDpi xmlns:a14="http://schemas.microsoft.com/office/drawing/2010/main" val="0"/>
+              </a:ext>
+            </a:extLst>
+          </a:blip>
+          <a:srcRect/>
+          <a:stretch>
+            <a:fillRect/>
+          </a:stretch>
+        </p:blipFill>
+        <p:spPr bwMode="auto">
+          <a:xfrm>
+            <a:off x="1331640" y="1556792"/>
+            <a:ext cx="2090261" cy="841534"/>
+          </a:xfrm>
+          <a:prstGeom prst="rect">
+            <a:avLst/>
+          </a:prstGeom>
+          <a:noFill/>
+          <a:ln>
+            <a:noFill/>
+          </a:ln>
+          <a:extLst>
+            <a:ext uri="{909E8E84-426E-40DD-AFC4-6F175D3DCCD1}">
+              <a14:hiddenFill xmlns:a14="http://schemas.microsoft.com/office/drawing/2010/main">
+                <a:solidFill>
+                  <a:schemeClr val="accent1"/>
+                </a:solidFill>
+              </a14:hiddenFill>
+            </a:ext>
+            <a:ext uri="{91240B29-F687-4F45-9708-019B960494DF}">
+              <a14:hiddenLine xmlns:a14="http://schemas.microsoft.com/office/drawing/2010/main" w="9525">
+                <a:solidFill>
+                  <a:schemeClr val="tx1"/>
+                </a:solidFill>
+                <a:miter lim="800000"/>
+                <a:headEnd/>
+                <a:tailEnd/>
+              </a14:hiddenLine>
+            </a:ext>
+          </a:extLst>
+        </p:spPr>
+      </p:pic>
+      <p:pic>
+        <p:nvPicPr>
+          <p:cNvPr id="5" name="Picture 3"/>
+          <p:cNvPicPr>
+            <a:picLocks noChangeAspect="1" noChangeArrowheads="1"/>
+          </p:cNvPicPr>
+          <p:nvPr/>
+        </p:nvPicPr>
+        <p:blipFill>
+          <a:blip r:embed="rId3">
+            <a:extLst>
+              <a:ext uri="{28A0092B-C50C-407E-A947-70E740481C1C}">
+                <a14:useLocalDpi xmlns:a14="http://schemas.microsoft.com/office/drawing/2010/main" val="0"/>
+              </a:ext>
+            </a:extLst>
+          </a:blip>
+          <a:srcRect/>
+          <a:stretch>
+            <a:fillRect/>
+          </a:stretch>
+        </p:blipFill>
+        <p:spPr bwMode="auto">
+          <a:xfrm>
+            <a:off x="3491880" y="1585220"/>
+            <a:ext cx="3981450" cy="877729"/>
+          </a:xfrm>
+          <a:prstGeom prst="rect">
+            <a:avLst/>
+          </a:prstGeom>
+          <a:noFill/>
+          <a:ln>
+            <a:noFill/>
+          </a:ln>
+          <a:extLst>
+            <a:ext uri="{909E8E84-426E-40DD-AFC4-6F175D3DCCD1}">
+              <a14:hiddenFill xmlns:a14="http://schemas.microsoft.com/office/drawing/2010/main">
+                <a:solidFill>
+                  <a:schemeClr val="accent1"/>
+                </a:solidFill>
+              </a14:hiddenFill>
+            </a:ext>
+            <a:ext uri="{91240B29-F687-4F45-9708-019B960494DF}">
+              <a14:hiddenLine xmlns:a14="http://schemas.microsoft.com/office/drawing/2010/main" w="9525">
+                <a:solidFill>
+                  <a:schemeClr val="tx1"/>
+                </a:solidFill>
+                <a:miter lim="800000"/>
+                <a:headEnd/>
+                <a:tailEnd/>
+              </a14:hiddenLine>
+            </a:ext>
+          </a:extLst>
+        </p:spPr>
+      </p:pic>
+      <p:pic>
+        <p:nvPicPr>
+          <p:cNvPr id="6" name="_x353344736" descr="EMB000023383f51"/>
+          <p:cNvPicPr>
+            <a:picLocks noChangeAspect="1" noChangeArrowheads="1"/>
+          </p:cNvPicPr>
+          <p:nvPr/>
+        </p:nvPicPr>
+        <p:blipFill>
+          <a:blip r:embed="rId4" cstate="print">
+            <a:extLst>
+              <a:ext uri="{28A0092B-C50C-407E-A947-70E740481C1C}">
+                <a14:useLocalDpi xmlns:a14="http://schemas.microsoft.com/office/drawing/2010/main" val="0"/>
+              </a:ext>
+            </a:extLst>
+          </a:blip>
+          <a:srcRect/>
+          <a:stretch>
+            <a:fillRect/>
+          </a:stretch>
+        </p:blipFill>
+        <p:spPr bwMode="auto">
+          <a:xfrm>
+            <a:off x="2362794" y="3717032"/>
+            <a:ext cx="2258172" cy="1152128"/>
+          </a:xfrm>
+          <a:prstGeom prst="rect">
+            <a:avLst/>
+          </a:prstGeom>
+          <a:noFill/>
+          <a:extLst>
+            <a:ext uri="{909E8E84-426E-40DD-AFC4-6F175D3DCCD1}">
+              <a14:hiddenFill xmlns:a14="http://schemas.microsoft.com/office/drawing/2010/main">
+                <a:solidFill>
+                  <a:srgbClr val="FFFFFF"/>
+                </a:solidFill>
+              </a14:hiddenFill>
+            </a:ext>
+          </a:extLst>
+        </p:spPr>
+      </p:pic>
+      <p:pic>
+        <p:nvPicPr>
+          <p:cNvPr id="7" name="_x353345216" descr="EMB000023383f63"/>
+          <p:cNvPicPr>
+            <a:picLocks noChangeAspect="1" noChangeArrowheads="1"/>
+          </p:cNvPicPr>
+          <p:nvPr/>
+        </p:nvPicPr>
+        <p:blipFill>
+          <a:blip r:embed="rId5">
+            <a:extLst>
+              <a:ext uri="{28A0092B-C50C-407E-A947-70E740481C1C}">
+                <a14:useLocalDpi xmlns:a14="http://schemas.microsoft.com/office/drawing/2010/main" val="0"/>
+              </a:ext>
+            </a:extLst>
+          </a:blip>
+          <a:srcRect/>
+          <a:stretch>
+            <a:fillRect/>
+          </a:stretch>
+        </p:blipFill>
+        <p:spPr bwMode="auto">
+          <a:xfrm>
+            <a:off x="6681242" y="3140968"/>
+            <a:ext cx="1852344" cy="1728192"/>
+          </a:xfrm>
+          <a:prstGeom prst="rect">
+            <a:avLst/>
+          </a:prstGeom>
+          <a:noFill/>
+          <a:extLst>
+            <a:ext uri="{909E8E84-426E-40DD-AFC4-6F175D3DCCD1}">
+              <a14:hiddenFill xmlns:a14="http://schemas.microsoft.com/office/drawing/2010/main">
+                <a:solidFill>
+                  <a:srgbClr val="FFFFFF"/>
+                </a:solidFill>
+              </a14:hiddenFill>
+            </a:ext>
+          </a:extLst>
+        </p:spPr>
+      </p:pic>
+    </p:spTree>
+    <p:extLst>
+      <p:ext uri="{BB962C8B-B14F-4D97-AF65-F5344CB8AC3E}">
+        <p14:creationId xmlns:p14="http://schemas.microsoft.com/office/powerpoint/2010/main" val="328584217"/>
+      </p:ext>
+    </p:extLst>
+  </p:cSld>
+  <p:clrMapOvr>
+    <a:masterClrMapping/>
+  </p:clrMapOvr>
+</p:sld>
+</file>
+
+<file path=ppt/slides/slide11.xml><?xml version="1.0" encoding="utf-8"?>
+<p:sld xmlns:a="http://schemas.openxmlformats.org/drawingml/2006/main" xmlns:r="http://schemas.openxmlformats.org/officeDocument/2006/relationships" xmlns:p="http://schemas.openxmlformats.org/presentationml/2006/main">
+  <p:cSld>
+    <p:spTree>
+      <p:nvGrpSpPr>
+        <p:cNvPr id="1" name=""/>
+        <p:cNvGrpSpPr/>
+        <p:nvPr/>
+      </p:nvGrpSpPr>
+      <p:grpSpPr>
+        <a:xfrm>
+          <a:off x="0" y="0"/>
+          <a:ext cx="0" cy="0"/>
+          <a:chOff x="0" y="0"/>
+          <a:chExt cx="0" cy="0"/>
+        </a:xfrm>
+      </p:grpSpPr>
+      <p:sp>
+        <p:nvSpPr>
+          <p:cNvPr id="2" name="제목 1"/>
+          <p:cNvSpPr>
+            <a:spLocks noGrp="1"/>
+          </p:cNvSpPr>
+          <p:nvPr>
+            <p:ph type="title"/>
+          </p:nvPr>
+        </p:nvSpPr>
+        <p:spPr/>
+        <p:txBody>
+          <a:bodyPr/>
+          <a:lstStyle/>
+          <a:p>
+            <a:r>
+              <a:rPr lang="en-US" altLang="ko-KR" dirty="0"/>
+              <a:t>4.6 </a:t>
+            </a:r>
+            <a:r>
+              <a:rPr lang="ko-KR" altLang="en-US" dirty="0"/>
+              <a:t>영상의 크기 변환과 회전</a:t>
+            </a:r>
+          </a:p>
+        </p:txBody>
+      </p:sp>
+      <p:sp>
+        <p:nvSpPr>
+          <p:cNvPr id="3" name="내용 개체 틀 2"/>
+          <p:cNvSpPr>
+            <a:spLocks noGrp="1"/>
+          </p:cNvSpPr>
+          <p:nvPr>
+            <p:ph idx="1"/>
+          </p:nvPr>
+        </p:nvSpPr>
+        <p:spPr/>
+        <p:txBody>
+          <a:bodyPr/>
+          <a:lstStyle/>
+          <a:p>
+            <a:r>
+              <a:rPr lang="en-US" altLang="ko-KR" dirty="0" err="1"/>
+              <a:t>OpenCV</a:t>
+            </a:r>
+            <a:r>
+              <a:rPr lang="en-US" altLang="ko-KR" dirty="0"/>
+              <a:t> </a:t>
+            </a:r>
+            <a:r>
+              <a:rPr lang="ko-KR" altLang="en-US" dirty="0"/>
+              <a:t>보간 옵션</a:t>
+            </a:r>
+            <a:r>
+              <a:rPr lang="en-US" altLang="ko-KR" dirty="0"/>
+              <a:t>	</a:t>
+            </a:r>
+          </a:p>
+          <a:p>
+            <a:pPr lvl="2"/>
+            <a:r>
+              <a:rPr lang="en-US" altLang="ko-KR" dirty="0"/>
+              <a:t>cv::resize(), cv::remap(), cv::</a:t>
+            </a:r>
+            <a:r>
+              <a:rPr lang="en-US" altLang="ko-KR" dirty="0" err="1"/>
+              <a:t>warpAffine</a:t>
+            </a:r>
+            <a:r>
+              <a:rPr lang="en-US" altLang="ko-KR" dirty="0"/>
+              <a:t>(), cv::</a:t>
+            </a:r>
+            <a:r>
+              <a:rPr lang="en-US" altLang="ko-KR" dirty="0" err="1"/>
+              <a:t>warpPerspective</a:t>
+            </a:r>
+            <a:r>
+              <a:rPr lang="en-US" altLang="ko-KR" dirty="0"/>
+              <a:t>() </a:t>
+            </a:r>
+            <a:r>
+              <a:rPr lang="ko-KR" altLang="en-US" dirty="0"/>
+              <a:t>등의 함수에서 </a:t>
+            </a:r>
+            <a:r>
+              <a:rPr lang="ko-KR" altLang="en-US" dirty="0" smtClean="0"/>
+              <a:t>사용</a:t>
+            </a:r>
+            <a:endParaRPr lang="en-US" altLang="ko-KR" dirty="0" smtClean="0"/>
+          </a:p>
+          <a:p>
+            <a:pPr lvl="2"/>
+            <a:endParaRPr lang="en-US" altLang="ko-KR" dirty="0"/>
+          </a:p>
+          <a:p>
+            <a:pPr lvl="2"/>
+            <a:endParaRPr lang="en-US" altLang="ko-KR" dirty="0" smtClean="0"/>
+          </a:p>
+          <a:p>
+            <a:pPr lvl="2"/>
+            <a:endParaRPr lang="en-US" altLang="ko-KR" dirty="0"/>
+          </a:p>
+          <a:p>
+            <a:pPr lvl="2"/>
+            <a:endParaRPr lang="en-US" altLang="ko-KR" dirty="0" smtClean="0"/>
+          </a:p>
+          <a:p>
+            <a:pPr lvl="2"/>
+            <a:endParaRPr lang="en-US" altLang="ko-KR" dirty="0"/>
+          </a:p>
+          <a:p>
+            <a:pPr lvl="2"/>
+            <a:endParaRPr lang="en-US" altLang="ko-KR" dirty="0" smtClean="0"/>
+          </a:p>
+          <a:p>
+            <a:pPr lvl="2"/>
+            <a:endParaRPr lang="en-US" altLang="ko-KR" dirty="0"/>
+          </a:p>
+          <a:p>
+            <a:pPr lvl="2"/>
+            <a:endParaRPr lang="en-US" altLang="ko-KR" dirty="0" smtClean="0"/>
+          </a:p>
+          <a:p>
+            <a:endParaRPr lang="ko-KR" altLang="en-US" dirty="0"/>
+          </a:p>
+          <a:p>
+            <a:r>
+              <a:rPr lang="ko-KR" altLang="en-US" dirty="0" smtClean="0"/>
+              <a:t>회전</a:t>
+            </a:r>
+            <a:endParaRPr lang="ko-KR" altLang="en-US" dirty="0"/>
+          </a:p>
+        </p:txBody>
+      </p:sp>
+      <p:pic>
+        <p:nvPicPr>
+          <p:cNvPr id="4" name="Picture 3"/>
+          <p:cNvPicPr>
+            <a:picLocks noChangeAspect="1" noChangeArrowheads="1"/>
+          </p:cNvPicPr>
+          <p:nvPr/>
+        </p:nvPicPr>
+        <p:blipFill>
+          <a:blip r:embed="rId2">
+            <a:extLst>
+              <a:ext uri="{28A0092B-C50C-407E-A947-70E740481C1C}">
+                <a14:useLocalDpi xmlns:a14="http://schemas.microsoft.com/office/drawing/2010/main" val="0"/>
+              </a:ext>
+            </a:extLst>
+          </a:blip>
+          <a:srcRect/>
+          <a:stretch>
+            <a:fillRect/>
+          </a:stretch>
+        </p:blipFill>
+        <p:spPr bwMode="auto">
+          <a:xfrm>
+            <a:off x="1115616" y="1844824"/>
+            <a:ext cx="6768752" cy="2303093"/>
+          </a:xfrm>
+          <a:prstGeom prst="rect">
+            <a:avLst/>
+          </a:prstGeom>
+          <a:noFill/>
+          <a:ln>
+            <a:noFill/>
+          </a:ln>
+          <a:extLst>
+            <a:ext uri="{909E8E84-426E-40DD-AFC4-6F175D3DCCD1}">
+              <a14:hiddenFill xmlns:a14="http://schemas.microsoft.com/office/drawing/2010/main">
+                <a:solidFill>
+                  <a:schemeClr val="accent1"/>
+                </a:solidFill>
+              </a14:hiddenFill>
+            </a:ext>
+            <a:ext uri="{91240B29-F687-4F45-9708-019B960494DF}">
+              <a14:hiddenLine xmlns:a14="http://schemas.microsoft.com/office/drawing/2010/main" w="9525">
+                <a:solidFill>
+                  <a:schemeClr val="tx1"/>
+                </a:solidFill>
+                <a:miter lim="800000"/>
+                <a:headEnd/>
+                <a:tailEnd/>
+              </a14:hiddenLine>
+            </a:ext>
+          </a:extLst>
+        </p:spPr>
+      </p:pic>
+      <p:pic>
+        <p:nvPicPr>
+          <p:cNvPr id="5" name="Picture 2"/>
+          <p:cNvPicPr>
+            <a:picLocks noChangeAspect="1" noChangeArrowheads="1"/>
+          </p:cNvPicPr>
+          <p:nvPr/>
+        </p:nvPicPr>
+        <p:blipFill>
+          <a:blip r:embed="rId3">
+            <a:extLst>
+              <a:ext uri="{28A0092B-C50C-407E-A947-70E740481C1C}">
+                <a14:useLocalDpi xmlns:a14="http://schemas.microsoft.com/office/drawing/2010/main" val="0"/>
+              </a:ext>
+            </a:extLst>
+          </a:blip>
+          <a:srcRect/>
+          <a:stretch>
+            <a:fillRect/>
+          </a:stretch>
+        </p:blipFill>
+        <p:spPr bwMode="auto">
+          <a:xfrm>
+            <a:off x="1403648" y="4293951"/>
+            <a:ext cx="2952328" cy="2037627"/>
+          </a:xfrm>
+          <a:prstGeom prst="rect">
+            <a:avLst/>
+          </a:prstGeom>
+          <a:noFill/>
+          <a:ln>
+            <a:noFill/>
+          </a:ln>
+          <a:extLst>
+            <a:ext uri="{909E8E84-426E-40DD-AFC4-6F175D3DCCD1}">
+              <a14:hiddenFill xmlns:a14="http://schemas.microsoft.com/office/drawing/2010/main">
+                <a:solidFill>
+                  <a:schemeClr val="accent1"/>
+                </a:solidFill>
+              </a14:hiddenFill>
+            </a:ext>
+            <a:ext uri="{91240B29-F687-4F45-9708-019B960494DF}">
+              <a14:hiddenLine xmlns:a14="http://schemas.microsoft.com/office/drawing/2010/main" w="9525">
+                <a:solidFill>
+                  <a:schemeClr val="tx1"/>
+                </a:solidFill>
+                <a:miter lim="800000"/>
+                <a:headEnd/>
+                <a:tailEnd/>
+              </a14:hiddenLine>
+            </a:ext>
+          </a:extLst>
+        </p:spPr>
+      </p:pic>
+      <p:pic>
+        <p:nvPicPr>
+          <p:cNvPr id="6" name="_x353344496" descr="EMB000023383f7e"/>
+          <p:cNvPicPr>
+            <a:picLocks noChangeAspect="1" noChangeArrowheads="1"/>
+          </p:cNvPicPr>
+          <p:nvPr/>
+        </p:nvPicPr>
+        <p:blipFill>
+          <a:blip r:embed="rId4">
+            <a:extLst>
+              <a:ext uri="{28A0092B-C50C-407E-A947-70E740481C1C}">
+                <a14:useLocalDpi xmlns:a14="http://schemas.microsoft.com/office/drawing/2010/main" val="0"/>
+              </a:ext>
+            </a:extLst>
+          </a:blip>
+          <a:srcRect/>
+          <a:stretch>
+            <a:fillRect/>
+          </a:stretch>
+        </p:blipFill>
+        <p:spPr bwMode="auto">
+          <a:xfrm>
+            <a:off x="4644008" y="4293951"/>
+            <a:ext cx="3392352" cy="2160764"/>
+          </a:xfrm>
+          <a:prstGeom prst="rect">
+            <a:avLst/>
+          </a:prstGeom>
+          <a:noFill/>
+          <a:extLst>
+            <a:ext uri="{909E8E84-426E-40DD-AFC4-6F175D3DCCD1}">
+              <a14:hiddenFill xmlns:a14="http://schemas.microsoft.com/office/drawing/2010/main">
+                <a:solidFill>
+                  <a:srgbClr val="FFFFFF"/>
+                </a:solidFill>
+              </a14:hiddenFill>
+            </a:ext>
+          </a:extLst>
+        </p:spPr>
+      </p:pic>
+    </p:spTree>
+    <p:extLst>
+      <p:ext uri="{BB962C8B-B14F-4D97-AF65-F5344CB8AC3E}">
+        <p14:creationId xmlns:p14="http://schemas.microsoft.com/office/powerpoint/2010/main" val="429400083"/>
+      </p:ext>
+    </p:extLst>
+  </p:cSld>
+  <p:clrMapOvr>
+    <a:masterClrMapping/>
+  </p:clrMapOvr>
+</p:sld>
+</file>
+
+<file path=ppt/slides/slide12.xml><?xml version="1.0" encoding="utf-8"?>
+<p:sld xmlns:a="http://schemas.openxmlformats.org/drawingml/2006/main" xmlns:r="http://schemas.openxmlformats.org/officeDocument/2006/relationships" xmlns:p="http://schemas.openxmlformats.org/presentationml/2006/main">
+  <p:cSld>
+    <p:spTree>
+      <p:nvGrpSpPr>
+        <p:cNvPr id="1" name=""/>
+        <p:cNvGrpSpPr/>
+        <p:nvPr/>
+      </p:nvGrpSpPr>
+      <p:grpSpPr>
+        <a:xfrm>
+          <a:off x="0" y="0"/>
+          <a:ext cx="0" cy="0"/>
+          <a:chOff x="0" y="0"/>
+          <a:chExt cx="0" cy="0"/>
+        </a:xfrm>
+      </p:grpSpPr>
+      <p:sp>
+        <p:nvSpPr>
+          <p:cNvPr id="2" name="제목 1"/>
+          <p:cNvSpPr>
+            <a:spLocks noGrp="1"/>
+          </p:cNvSpPr>
+          <p:nvPr>
+            <p:ph type="title"/>
+          </p:nvPr>
+        </p:nvSpPr>
+        <p:spPr/>
+        <p:txBody>
+          <a:bodyPr/>
+          <a:lstStyle/>
+          <a:p>
+            <a:r>
+              <a:rPr lang="en-US" altLang="ko-KR" dirty="0"/>
+              <a:t>4.6 </a:t>
+            </a:r>
+            <a:r>
+              <a:rPr lang="ko-KR" altLang="en-US" dirty="0"/>
+              <a:t>영상의 크기 변환과 회전</a:t>
+            </a:r>
+          </a:p>
+        </p:txBody>
+      </p:sp>
+      <p:sp>
+        <p:nvSpPr>
+          <p:cNvPr id="3" name="내용 개체 틀 2"/>
+          <p:cNvSpPr>
+            <a:spLocks noGrp="1"/>
+          </p:cNvSpPr>
+          <p:nvPr>
+            <p:ph idx="1"/>
+          </p:nvPr>
+        </p:nvSpPr>
+        <p:spPr/>
+        <p:txBody>
+          <a:bodyPr/>
+          <a:lstStyle/>
+          <a:p>
+            <a:r>
+              <a:rPr lang="ko-KR" altLang="en-US" dirty="0"/>
+              <a:t>특정 좌표에서</a:t>
+            </a:r>
+            <a:r>
+              <a:rPr lang="en-US" altLang="ko-KR" dirty="0"/>
+              <a:t>(center X, center Y)</a:t>
+            </a:r>
+            <a:r>
+              <a:rPr lang="ko-KR" altLang="en-US" dirty="0"/>
+              <a:t> 회전하는 경우</a:t>
+            </a:r>
+            <a:endParaRPr lang="en-US" altLang="ko-KR" dirty="0"/>
+          </a:p>
+          <a:p>
+            <a:pPr lvl="1"/>
+            <a:r>
+              <a:rPr lang="ko-KR" altLang="en-US" dirty="0"/>
+              <a:t>회전의 기준점으로 영상을 이동시킨 후</a:t>
+            </a:r>
+            <a:r>
+              <a:rPr lang="en-US" altLang="ko-KR" dirty="0"/>
+              <a:t>, </a:t>
+            </a:r>
+            <a:r>
+              <a:rPr lang="ko-KR" altLang="en-US" dirty="0"/>
+              <a:t>회전 수행</a:t>
+            </a:r>
+            <a:endParaRPr lang="en-US" altLang="ko-KR" dirty="0"/>
+          </a:p>
+          <a:p>
+            <a:pPr lvl="1"/>
+            <a:r>
+              <a:rPr lang="ko-KR" altLang="en-US" dirty="0"/>
+              <a:t>다시 원점 좌표로 </a:t>
+            </a:r>
+            <a:r>
+              <a:rPr lang="ko-KR" altLang="en-US" dirty="0" smtClean="0"/>
+              <a:t>이동</a:t>
+            </a:r>
+            <a:endParaRPr lang="en-US" altLang="ko-KR" dirty="0" smtClean="0"/>
+          </a:p>
+          <a:p>
+            <a:pPr lvl="1"/>
+            <a:endParaRPr lang="en-US" altLang="ko-KR" dirty="0"/>
+          </a:p>
+          <a:p>
+            <a:pPr lvl="1"/>
+            <a:endParaRPr lang="en-US" altLang="ko-KR" dirty="0" smtClean="0"/>
+          </a:p>
+          <a:p>
+            <a:pPr lvl="1"/>
+            <a:endParaRPr lang="en-US" altLang="ko-KR" dirty="0"/>
+          </a:p>
+          <a:p>
+            <a:pPr lvl="1"/>
+            <a:endParaRPr lang="en-US" altLang="ko-KR" dirty="0" smtClean="0"/>
+          </a:p>
+          <a:p>
+            <a:pPr lvl="1"/>
+            <a:endParaRPr lang="en-US" altLang="ko-KR" dirty="0"/>
+          </a:p>
+          <a:p>
+            <a:r>
+              <a:rPr lang="ko-KR" altLang="en-US" dirty="0" smtClean="0"/>
+              <a:t>행렬 연산을 통한 기하학 변환 </a:t>
+            </a:r>
+            <a:r>
+              <a:rPr lang="en-US" altLang="ko-KR" dirty="0" smtClean="0"/>
+              <a:t>– </a:t>
+            </a:r>
+            <a:r>
+              <a:rPr lang="ko-KR" altLang="en-US" dirty="0" err="1" smtClean="0"/>
+              <a:t>어파인</a:t>
+            </a:r>
+            <a:r>
+              <a:rPr lang="ko-KR" altLang="en-US" dirty="0" smtClean="0"/>
+              <a:t> 변환</a:t>
+            </a:r>
+            <a:r>
+              <a:rPr lang="en-US" altLang="ko-KR" dirty="0" smtClean="0"/>
+              <a:t>(</a:t>
+            </a:r>
+            <a:r>
+              <a:rPr lang="ko-KR" altLang="en-US" dirty="0" smtClean="0"/>
+              <a:t>회전</a:t>
+            </a:r>
+            <a:r>
+              <a:rPr lang="en-US" altLang="ko-KR" dirty="0" smtClean="0"/>
+              <a:t>, </a:t>
+            </a:r>
+            <a:r>
+              <a:rPr lang="ko-KR" altLang="en-US" dirty="0" smtClean="0"/>
+              <a:t>평행이동</a:t>
+            </a:r>
+            <a:r>
+              <a:rPr lang="en-US" altLang="ko-KR" dirty="0" smtClean="0"/>
+              <a:t>, </a:t>
+            </a:r>
+            <a:r>
+              <a:rPr lang="ko-KR" altLang="en-US" dirty="0" smtClean="0"/>
+              <a:t>크기 변경을 모두 포함</a:t>
+            </a:r>
+            <a:r>
+              <a:rPr lang="en-US" altLang="ko-KR" dirty="0" smtClean="0"/>
+              <a:t>)</a:t>
+            </a:r>
+          </a:p>
+          <a:p>
+            <a:pPr lvl="1"/>
+            <a:endParaRPr lang="en-US" altLang="ko-KR" dirty="0" smtClean="0"/>
+          </a:p>
+          <a:p>
+            <a:pPr lvl="1"/>
+            <a:endParaRPr lang="en-US" altLang="ko-KR" dirty="0"/>
+          </a:p>
+          <a:p>
+            <a:pPr lvl="1"/>
+            <a:endParaRPr lang="en-US" altLang="ko-KR" dirty="0" smtClean="0"/>
+          </a:p>
+          <a:p>
+            <a:pPr lvl="1"/>
+            <a:endParaRPr lang="en-US" altLang="ko-KR" dirty="0"/>
+          </a:p>
+          <a:p>
+            <a:pPr lvl="1"/>
+            <a:r>
+              <a:rPr lang="ko-KR" altLang="en-US" dirty="0"/>
+              <a:t>각 변환 행렬을 행렬 곱으로 </a:t>
+            </a:r>
+            <a:r>
+              <a:rPr lang="ko-KR" altLang="en-US" dirty="0" err="1"/>
+              <a:t>구성가능</a:t>
+            </a:r>
+            <a:r>
+              <a:rPr lang="ko-KR" altLang="en-US" dirty="0"/>
+              <a:t> </a:t>
+            </a:r>
+            <a:r>
+              <a:rPr lang="en-US" altLang="ko-KR" dirty="0">
+                <a:sym typeface="Wingdings" panose="05000000000000000000" pitchFamily="2" charset="2"/>
+              </a:rPr>
+              <a:t> </a:t>
+            </a:r>
+            <a:r>
+              <a:rPr lang="ko-KR" altLang="en-US" dirty="0">
+                <a:sym typeface="Wingdings" panose="05000000000000000000" pitchFamily="2" charset="2"/>
+              </a:rPr>
+              <a:t>최종 </a:t>
+            </a:r>
+            <a:r>
+              <a:rPr lang="ko-KR" altLang="en-US" dirty="0" err="1">
+                <a:sym typeface="Wingdings" panose="05000000000000000000" pitchFamily="2" charset="2"/>
+              </a:rPr>
+              <a:t>행렬곱</a:t>
+            </a:r>
+            <a:r>
+              <a:rPr lang="ko-KR" altLang="en-US" dirty="0">
+                <a:sym typeface="Wingdings" panose="05000000000000000000" pitchFamily="2" charset="2"/>
+              </a:rPr>
+              <a:t> 후에 마지막 행 삭제</a:t>
+            </a:r>
+            <a:endParaRPr lang="en-US" altLang="ko-KR" dirty="0"/>
+          </a:p>
+          <a:p>
+            <a:pPr lvl="1"/>
+            <a:endParaRPr lang="ko-KR" altLang="en-US" dirty="0"/>
+          </a:p>
+          <a:p>
+            <a:endParaRPr lang="ko-KR" altLang="en-US" dirty="0"/>
+          </a:p>
+        </p:txBody>
+      </p:sp>
+      <p:pic>
+        <p:nvPicPr>
+          <p:cNvPr id="4" name="Picture 2"/>
+          <p:cNvPicPr>
+            <a:picLocks noChangeAspect="1" noChangeArrowheads="1"/>
+          </p:cNvPicPr>
+          <p:nvPr/>
+        </p:nvPicPr>
+        <p:blipFill>
+          <a:blip r:embed="rId2">
+            <a:extLst>
+              <a:ext uri="{28A0092B-C50C-407E-A947-70E740481C1C}">
+                <a14:useLocalDpi xmlns:a14="http://schemas.microsoft.com/office/drawing/2010/main" val="0"/>
+              </a:ext>
+            </a:extLst>
+          </a:blip>
+          <a:srcRect/>
+          <a:stretch>
+            <a:fillRect/>
+          </a:stretch>
+        </p:blipFill>
+        <p:spPr bwMode="auto">
+          <a:xfrm>
+            <a:off x="1043608" y="1988840"/>
+            <a:ext cx="6305550" cy="1133475"/>
+          </a:xfrm>
+          <a:prstGeom prst="rect">
+            <a:avLst/>
+          </a:prstGeom>
+          <a:noFill/>
+          <a:ln>
+            <a:noFill/>
+          </a:ln>
+          <a:extLst>
+            <a:ext uri="{909E8E84-426E-40DD-AFC4-6F175D3DCCD1}">
+              <a14:hiddenFill xmlns:a14="http://schemas.microsoft.com/office/drawing/2010/main">
+                <a:solidFill>
+                  <a:schemeClr val="accent1"/>
+                </a:solidFill>
+              </a14:hiddenFill>
+            </a:ext>
+            <a:ext uri="{91240B29-F687-4F45-9708-019B960494DF}">
+              <a14:hiddenLine xmlns:a14="http://schemas.microsoft.com/office/drawing/2010/main" w="9525">
+                <a:solidFill>
+                  <a:schemeClr val="tx1"/>
+                </a:solidFill>
+                <a:miter lim="800000"/>
+                <a:headEnd/>
+                <a:tailEnd/>
+              </a14:hiddenLine>
+            </a:ext>
+          </a:extLst>
+        </p:spPr>
+      </p:pic>
+      <p:pic>
+        <p:nvPicPr>
+          <p:cNvPr id="5" name="Picture 2"/>
+          <p:cNvPicPr>
+            <a:picLocks noChangeAspect="1" noChangeArrowheads="1"/>
+          </p:cNvPicPr>
+          <p:nvPr/>
+        </p:nvPicPr>
+        <p:blipFill>
+          <a:blip r:embed="rId3">
+            <a:extLst>
+              <a:ext uri="{28A0092B-C50C-407E-A947-70E740481C1C}">
+                <a14:useLocalDpi xmlns:a14="http://schemas.microsoft.com/office/drawing/2010/main" val="0"/>
+              </a:ext>
+            </a:extLst>
+          </a:blip>
+          <a:srcRect/>
+          <a:stretch>
+            <a:fillRect/>
+          </a:stretch>
+        </p:blipFill>
+        <p:spPr bwMode="auto">
+          <a:xfrm>
+            <a:off x="0" y="3605133"/>
+            <a:ext cx="2615184" cy="978408"/>
+          </a:xfrm>
+          <a:prstGeom prst="rect">
+            <a:avLst/>
+          </a:prstGeom>
+          <a:noFill/>
+          <a:ln>
+            <a:noFill/>
+          </a:ln>
+          <a:extLst>
+            <a:ext uri="{909E8E84-426E-40DD-AFC4-6F175D3DCCD1}">
+              <a14:hiddenFill xmlns:a14="http://schemas.microsoft.com/office/drawing/2010/main">
+                <a:solidFill>
+                  <a:schemeClr val="accent1"/>
+                </a:solidFill>
+              </a14:hiddenFill>
+            </a:ext>
+            <a:ext uri="{91240B29-F687-4F45-9708-019B960494DF}">
+              <a14:hiddenLine xmlns:a14="http://schemas.microsoft.com/office/drawing/2010/main" w="9525">
+                <a:solidFill>
+                  <a:schemeClr val="tx1"/>
+                </a:solidFill>
+                <a:miter lim="800000"/>
+                <a:headEnd/>
+                <a:tailEnd/>
+              </a14:hiddenLine>
+            </a:ext>
+          </a:extLst>
+        </p:spPr>
+      </p:pic>
+      <p:pic>
+        <p:nvPicPr>
+          <p:cNvPr id="6" name="Picture 4"/>
+          <p:cNvPicPr>
+            <a:picLocks noChangeAspect="1" noChangeArrowheads="1"/>
+          </p:cNvPicPr>
+          <p:nvPr/>
+        </p:nvPicPr>
+        <p:blipFill>
+          <a:blip r:embed="rId4">
+            <a:extLst>
+              <a:ext uri="{28A0092B-C50C-407E-A947-70E740481C1C}">
+                <a14:useLocalDpi xmlns:a14="http://schemas.microsoft.com/office/drawing/2010/main" val="0"/>
+              </a:ext>
+            </a:extLst>
+          </a:blip>
+          <a:srcRect/>
+          <a:stretch>
+            <a:fillRect/>
+          </a:stretch>
+        </p:blipFill>
+        <p:spPr bwMode="auto">
+          <a:xfrm>
+            <a:off x="2486455" y="3717130"/>
+            <a:ext cx="1709928" cy="740664"/>
+          </a:xfrm>
+          <a:prstGeom prst="rect">
+            <a:avLst/>
+          </a:prstGeom>
+          <a:noFill/>
+          <a:ln>
+            <a:noFill/>
+          </a:ln>
+          <a:extLst>
+            <a:ext uri="{909E8E84-426E-40DD-AFC4-6F175D3DCCD1}">
+              <a14:hiddenFill xmlns:a14="http://schemas.microsoft.com/office/drawing/2010/main">
+                <a:solidFill>
+                  <a:schemeClr val="accent1"/>
+                </a:solidFill>
+              </a14:hiddenFill>
+            </a:ext>
+            <a:ext uri="{91240B29-F687-4F45-9708-019B960494DF}">
+              <a14:hiddenLine xmlns:a14="http://schemas.microsoft.com/office/drawing/2010/main" w="9525">
+                <a:solidFill>
+                  <a:schemeClr val="tx1"/>
+                </a:solidFill>
+                <a:miter lim="800000"/>
+                <a:headEnd/>
+                <a:tailEnd/>
+              </a14:hiddenLine>
+            </a:ext>
+          </a:extLst>
+        </p:spPr>
+      </p:pic>
+      <p:pic>
+        <p:nvPicPr>
+          <p:cNvPr id="7" name="Picture 3"/>
+          <p:cNvPicPr>
+            <a:picLocks noChangeAspect="1" noChangeArrowheads="1"/>
+          </p:cNvPicPr>
+          <p:nvPr/>
+        </p:nvPicPr>
+        <p:blipFill>
+          <a:blip r:embed="rId5">
+            <a:extLst>
+              <a:ext uri="{28A0092B-C50C-407E-A947-70E740481C1C}">
+                <a14:useLocalDpi xmlns:a14="http://schemas.microsoft.com/office/drawing/2010/main" val="0"/>
+              </a:ext>
+            </a:extLst>
+          </a:blip>
+          <a:srcRect/>
+          <a:stretch>
+            <a:fillRect/>
+          </a:stretch>
+        </p:blipFill>
+        <p:spPr bwMode="auto">
+          <a:xfrm>
+            <a:off x="4329720" y="3632626"/>
+            <a:ext cx="1764792" cy="877824"/>
+          </a:xfrm>
+          <a:prstGeom prst="rect">
+            <a:avLst/>
+          </a:prstGeom>
+          <a:noFill/>
+          <a:ln>
+            <a:noFill/>
+          </a:ln>
+          <a:extLst>
+            <a:ext uri="{909E8E84-426E-40DD-AFC4-6F175D3DCCD1}">
+              <a14:hiddenFill xmlns:a14="http://schemas.microsoft.com/office/drawing/2010/main">
+                <a:solidFill>
+                  <a:schemeClr val="accent1"/>
+                </a:solidFill>
+              </a14:hiddenFill>
+            </a:ext>
+            <a:ext uri="{91240B29-F687-4F45-9708-019B960494DF}">
+              <a14:hiddenLine xmlns:a14="http://schemas.microsoft.com/office/drawing/2010/main" w="9525">
+                <a:solidFill>
+                  <a:schemeClr val="tx1"/>
+                </a:solidFill>
+                <a:miter lim="800000"/>
+                <a:headEnd/>
+                <a:tailEnd/>
+              </a14:hiddenLine>
+            </a:ext>
+          </a:extLst>
+        </p:spPr>
+      </p:pic>
+      <p:pic>
+        <p:nvPicPr>
+          <p:cNvPr id="8" name="Picture 5"/>
+          <p:cNvPicPr>
+            <a:picLocks noChangeAspect="1" noChangeArrowheads="1"/>
+          </p:cNvPicPr>
+          <p:nvPr/>
+        </p:nvPicPr>
+        <p:blipFill>
+          <a:blip r:embed="rId6">
+            <a:extLst>
+              <a:ext uri="{28A0092B-C50C-407E-A947-70E740481C1C}">
+                <a14:useLocalDpi xmlns:a14="http://schemas.microsoft.com/office/drawing/2010/main" val="0"/>
+              </a:ext>
+            </a:extLst>
+          </a:blip>
+          <a:srcRect/>
+          <a:stretch>
+            <a:fillRect/>
+          </a:stretch>
+        </p:blipFill>
+        <p:spPr bwMode="auto">
+          <a:xfrm>
+            <a:off x="6447776" y="3623901"/>
+            <a:ext cx="2522315" cy="933164"/>
+          </a:xfrm>
+          <a:prstGeom prst="rect">
+            <a:avLst/>
+          </a:prstGeom>
+          <a:noFill/>
+          <a:ln>
+            <a:noFill/>
+          </a:ln>
+          <a:extLst>
+            <a:ext uri="{909E8E84-426E-40DD-AFC4-6F175D3DCCD1}">
+              <a14:hiddenFill xmlns:a14="http://schemas.microsoft.com/office/drawing/2010/main">
+                <a:solidFill>
+                  <a:schemeClr val="accent1"/>
+                </a:solidFill>
+              </a14:hiddenFill>
+            </a:ext>
+            <a:ext uri="{91240B29-F687-4F45-9708-019B960494DF}">
+              <a14:hiddenLine xmlns:a14="http://schemas.microsoft.com/office/drawing/2010/main" w="9525">
+                <a:solidFill>
+                  <a:schemeClr val="tx1"/>
+                </a:solidFill>
+                <a:miter lim="800000"/>
+                <a:headEnd/>
+                <a:tailEnd/>
+              </a14:hiddenLine>
+            </a:ext>
+          </a:extLst>
+        </p:spPr>
+      </p:pic>
+      <p:pic>
+        <p:nvPicPr>
+          <p:cNvPr id="9" name="Picture 6"/>
+          <p:cNvPicPr>
+            <a:picLocks noChangeAspect="1" noChangeArrowheads="1"/>
+          </p:cNvPicPr>
+          <p:nvPr/>
+        </p:nvPicPr>
+        <p:blipFill>
+          <a:blip r:embed="rId7">
+            <a:extLst>
+              <a:ext uri="{28A0092B-C50C-407E-A947-70E740481C1C}">
+                <a14:useLocalDpi xmlns:a14="http://schemas.microsoft.com/office/drawing/2010/main" val="0"/>
+              </a:ext>
+            </a:extLst>
+          </a:blip>
+          <a:srcRect/>
+          <a:stretch>
+            <a:fillRect/>
+          </a:stretch>
+        </p:blipFill>
+        <p:spPr bwMode="auto">
+          <a:xfrm>
+            <a:off x="2051720" y="5359336"/>
+            <a:ext cx="5184576" cy="1072671"/>
+          </a:xfrm>
+          <a:prstGeom prst="rect">
+            <a:avLst/>
+          </a:prstGeom>
+          <a:noFill/>
+          <a:ln>
+            <a:noFill/>
+          </a:ln>
+          <a:extLst>
+            <a:ext uri="{909E8E84-426E-40DD-AFC4-6F175D3DCCD1}">
+              <a14:hiddenFill xmlns:a14="http://schemas.microsoft.com/office/drawing/2010/main">
+                <a:solidFill>
+                  <a:schemeClr val="accent1"/>
+                </a:solidFill>
+              </a14:hiddenFill>
+            </a:ext>
+            <a:ext uri="{91240B29-F687-4F45-9708-019B960494DF}">
+              <a14:hiddenLine xmlns:a14="http://schemas.microsoft.com/office/drawing/2010/main" w="9525">
+                <a:solidFill>
+                  <a:schemeClr val="tx1"/>
+                </a:solidFill>
+                <a:miter lim="800000"/>
+                <a:headEnd/>
+                <a:tailEnd/>
+              </a14:hiddenLine>
+            </a:ext>
+          </a:extLst>
+        </p:spPr>
+      </p:pic>
+    </p:spTree>
+    <p:extLst>
+      <p:ext uri="{BB962C8B-B14F-4D97-AF65-F5344CB8AC3E}">
+        <p14:creationId xmlns:p14="http://schemas.microsoft.com/office/powerpoint/2010/main" val="1429383530"/>
+      </p:ext>
+    </p:extLst>
+  </p:cSld>
+  <p:clrMapOvr>
+    <a:masterClrMapping/>
+  </p:clrMapOvr>
+</p:sld>
+</file>
+
+<file path=ppt/slides/slide13.xml><?xml version="1.0" encoding="utf-8"?>
+<p:sld xmlns:a="http://schemas.openxmlformats.org/drawingml/2006/main" xmlns:r="http://schemas.openxmlformats.org/officeDocument/2006/relationships" xmlns:p="http://schemas.openxmlformats.org/presentationml/2006/main">
+  <p:cSld>
+    <p:spTree>
+      <p:nvGrpSpPr>
+        <p:cNvPr id="1" name=""/>
+        <p:cNvGrpSpPr/>
+        <p:nvPr/>
+      </p:nvGrpSpPr>
+      <p:grpSpPr>
+        <a:xfrm>
+          <a:off x="0" y="0"/>
+          <a:ext cx="0" cy="0"/>
+          <a:chOff x="0" y="0"/>
+          <a:chExt cx="0" cy="0"/>
+        </a:xfrm>
+      </p:grpSpPr>
+      <p:sp>
+        <p:nvSpPr>
+          <p:cNvPr id="2" name="제목 1"/>
+          <p:cNvSpPr>
+            <a:spLocks noGrp="1"/>
+          </p:cNvSpPr>
+          <p:nvPr>
+            <p:ph type="title"/>
+          </p:nvPr>
+        </p:nvSpPr>
+        <p:spPr/>
+        <p:txBody>
+          <a:bodyPr/>
+          <a:lstStyle/>
+          <a:p>
+            <a:r>
+              <a:rPr lang="en-US" altLang="ko-KR" dirty="0"/>
+              <a:t>4.6 </a:t>
+            </a:r>
+            <a:r>
+              <a:rPr lang="ko-KR" altLang="en-US" dirty="0"/>
+              <a:t>영상의 크기 변환과 회전</a:t>
+            </a:r>
+          </a:p>
+        </p:txBody>
+      </p:sp>
+      <p:sp>
+        <p:nvSpPr>
+          <p:cNvPr id="3" name="내용 개체 틀 2"/>
+          <p:cNvSpPr>
+            <a:spLocks noGrp="1"/>
+          </p:cNvSpPr>
+          <p:nvPr>
+            <p:ph idx="1"/>
+          </p:nvPr>
+        </p:nvSpPr>
+        <p:spPr>
+          <a:xfrm>
+            <a:off x="490573" y="661775"/>
+            <a:ext cx="8229600" cy="5500726"/>
+          </a:xfrm>
+        </p:spPr>
+        <p:txBody>
+          <a:bodyPr/>
+          <a:lstStyle/>
+          <a:p>
+            <a:pPr lvl="1"/>
+            <a:r>
+              <a:rPr lang="en-US" altLang="ko-KR" dirty="0" err="1"/>
+              <a:t>OpenCV</a:t>
+            </a:r>
+            <a:r>
+              <a:rPr lang="ko-KR" altLang="en-US" dirty="0"/>
+              <a:t>에서도 </a:t>
+            </a:r>
+            <a:r>
+              <a:rPr lang="ko-KR" altLang="en-US" dirty="0" err="1"/>
+              <a:t>어파인</a:t>
+            </a:r>
+            <a:r>
+              <a:rPr lang="ko-KR" altLang="en-US" dirty="0"/>
+              <a:t> 변환 수행 함수 제공</a:t>
+            </a:r>
+            <a:endParaRPr lang="en-US" altLang="ko-KR" dirty="0"/>
+          </a:p>
+          <a:p>
+            <a:pPr lvl="1"/>
+            <a:endParaRPr lang="ko-KR" altLang="en-US" dirty="0"/>
+          </a:p>
+          <a:p>
+            <a:endParaRPr lang="ko-KR" altLang="en-US" dirty="0"/>
+          </a:p>
+        </p:txBody>
+      </p:sp>
+      <p:grpSp>
+        <p:nvGrpSpPr>
+          <p:cNvPr id="4" name="그룹 3"/>
+          <p:cNvGrpSpPr/>
+          <p:nvPr/>
+        </p:nvGrpSpPr>
+        <p:grpSpPr>
+          <a:xfrm>
+            <a:off x="1043608" y="980728"/>
+            <a:ext cx="6840760" cy="5760640"/>
+            <a:chOff x="1019759" y="-531440"/>
+            <a:chExt cx="5812654" cy="5442467"/>
+          </a:xfrm>
+        </p:grpSpPr>
+        <p:pic>
+          <p:nvPicPr>
+            <p:cNvPr id="5" name="Picture 3"/>
+            <p:cNvPicPr>
+              <a:picLocks noChangeAspect="1" noChangeArrowheads="1"/>
+            </p:cNvPicPr>
+            <p:nvPr/>
+          </p:nvPicPr>
+          <p:blipFill>
+            <a:blip r:embed="rId2">
+              <a:extLst>
+                <a:ext uri="{28A0092B-C50C-407E-A947-70E740481C1C}">
+                  <a14:useLocalDpi xmlns:a14="http://schemas.microsoft.com/office/drawing/2010/main" val="0"/>
+                </a:ext>
+              </a:extLst>
+            </a:blip>
+            <a:srcRect/>
+            <a:stretch>
+              <a:fillRect/>
+            </a:stretch>
+          </p:blipFill>
+          <p:spPr bwMode="auto">
+            <a:xfrm>
+              <a:off x="1019759" y="4108359"/>
+              <a:ext cx="5812654" cy="802668"/>
+            </a:xfrm>
+            <a:prstGeom prst="rect">
+              <a:avLst/>
+            </a:prstGeom>
+            <a:noFill/>
+            <a:ln>
+              <a:noFill/>
+            </a:ln>
+            <a:extLst>
+              <a:ext uri="{909E8E84-426E-40DD-AFC4-6F175D3DCCD1}">
+                <a14:hiddenFill xmlns:a14="http://schemas.microsoft.com/office/drawing/2010/main">
+                  <a:solidFill>
+                    <a:schemeClr val="accent1"/>
+                  </a:solidFill>
+                </a14:hiddenFill>
+              </a:ext>
+              <a:ext uri="{91240B29-F687-4F45-9708-019B960494DF}">
+                <a14:hiddenLine xmlns:a14="http://schemas.microsoft.com/office/drawing/2010/main" w="9525">
+                  <a:solidFill>
+                    <a:schemeClr val="tx1"/>
+                  </a:solidFill>
+                  <a:miter lim="800000"/>
+                  <a:headEnd/>
+                  <a:tailEnd/>
+                </a14:hiddenLine>
+              </a:ext>
+            </a:extLst>
+          </p:spPr>
+        </p:pic>
+        <p:pic>
+          <p:nvPicPr>
+            <p:cNvPr id="6" name="Picture 2"/>
+            <p:cNvPicPr>
+              <a:picLocks noChangeAspect="1" noChangeArrowheads="1"/>
+            </p:cNvPicPr>
+            <p:nvPr/>
+          </p:nvPicPr>
+          <p:blipFill>
+            <a:blip r:embed="rId3">
+              <a:extLst>
+                <a:ext uri="{28A0092B-C50C-407E-A947-70E740481C1C}">
+                  <a14:useLocalDpi xmlns:a14="http://schemas.microsoft.com/office/drawing/2010/main" val="0"/>
+                </a:ext>
+              </a:extLst>
+            </a:blip>
+            <a:srcRect/>
+            <a:stretch>
+              <a:fillRect/>
+            </a:stretch>
+          </p:blipFill>
+          <p:spPr bwMode="auto">
+            <a:xfrm>
+              <a:off x="1043608" y="-531440"/>
+              <a:ext cx="5784051" cy="4754289"/>
+            </a:xfrm>
+            <a:prstGeom prst="rect">
+              <a:avLst/>
+            </a:prstGeom>
+            <a:noFill/>
+            <a:ln>
+              <a:noFill/>
+            </a:ln>
+            <a:extLst>
+              <a:ext uri="{909E8E84-426E-40DD-AFC4-6F175D3DCCD1}">
+                <a14:hiddenFill xmlns:a14="http://schemas.microsoft.com/office/drawing/2010/main">
+                  <a:solidFill>
+                    <a:schemeClr val="accent1"/>
+                  </a:solidFill>
+                </a14:hiddenFill>
+              </a:ext>
+              <a:ext uri="{91240B29-F687-4F45-9708-019B960494DF}">
+                <a14:hiddenLine xmlns:a14="http://schemas.microsoft.com/office/drawing/2010/main" w="9525">
+                  <a:solidFill>
+                    <a:schemeClr val="tx1"/>
+                  </a:solidFill>
+                  <a:miter lim="800000"/>
+                  <a:headEnd/>
+                  <a:tailEnd/>
+                </a14:hiddenLine>
+              </a:ext>
+            </a:extLst>
+          </p:spPr>
+        </p:pic>
+      </p:grpSp>
+    </p:spTree>
+    <p:extLst>
+      <p:ext uri="{BB962C8B-B14F-4D97-AF65-F5344CB8AC3E}">
+        <p14:creationId xmlns:p14="http://schemas.microsoft.com/office/powerpoint/2010/main" val="2640787746"/>
+      </p:ext>
+    </p:extLst>
+  </p:cSld>
+  <p:clrMapOvr>
+    <a:masterClrMapping/>
+  </p:clrMapOvr>
+</p:sld>
+</file>
+
+<file path=ppt/slides/slide14.xml><?xml version="1.0" encoding="utf-8"?>
+<p:sld xmlns:a="http://schemas.openxmlformats.org/drawingml/2006/main" xmlns:r="http://schemas.openxmlformats.org/officeDocument/2006/relationships" xmlns:p="http://schemas.openxmlformats.org/presentationml/2006/main">
+  <p:cSld>
+    <p:spTree>
+      <p:nvGrpSpPr>
+        <p:cNvPr id="1" name=""/>
+        <p:cNvGrpSpPr/>
+        <p:nvPr/>
+      </p:nvGrpSpPr>
+      <p:grpSpPr>
+        <a:xfrm>
+          <a:off x="0" y="0"/>
+          <a:ext cx="0" cy="0"/>
+          <a:chOff x="0" y="0"/>
+          <a:chExt cx="0" cy="0"/>
+        </a:xfrm>
+      </p:grpSpPr>
+      <p:sp>
+        <p:nvSpPr>
+          <p:cNvPr id="2" name="제목 1"/>
+          <p:cNvSpPr>
+            <a:spLocks noGrp="1"/>
+          </p:cNvSpPr>
+          <p:nvPr>
+            <p:ph type="title"/>
+          </p:nvPr>
+        </p:nvSpPr>
+        <p:spPr/>
+        <p:txBody>
+          <a:bodyPr/>
+          <a:lstStyle/>
+          <a:p>
+            <a:r>
+              <a:rPr lang="en-US" altLang="ko-KR" dirty="0"/>
+              <a:t>4.6 </a:t>
+            </a:r>
+            <a:r>
+              <a:rPr lang="ko-KR" altLang="en-US" dirty="0"/>
+              <a:t>영상의 크기 변환과 회전</a:t>
+            </a:r>
+          </a:p>
+        </p:txBody>
+      </p:sp>
+      <p:sp>
+        <p:nvSpPr>
+          <p:cNvPr id="3" name="내용 개체 틀 2"/>
+          <p:cNvSpPr>
+            <a:spLocks noGrp="1"/>
+          </p:cNvSpPr>
+          <p:nvPr>
+            <p:ph idx="1"/>
+          </p:nvPr>
+        </p:nvSpPr>
+        <p:spPr/>
+        <p:txBody>
+          <a:bodyPr/>
+          <a:lstStyle/>
+          <a:p>
+            <a:r>
+              <a:rPr lang="ko-KR" altLang="en-US" dirty="0"/>
+              <a:t>원근 투시 변환</a:t>
+            </a:r>
+            <a:r>
+              <a:rPr lang="en-US" altLang="ko-KR" dirty="0"/>
+              <a:t>(perspective projection transformation)</a:t>
+            </a:r>
+          </a:p>
+          <a:p>
+            <a:pPr lvl="1"/>
+            <a:r>
+              <a:rPr lang="ko-KR" altLang="en-US" dirty="0"/>
+              <a:t>이 원근법을 영상 </a:t>
+            </a:r>
+            <a:r>
+              <a:rPr lang="ko-KR" altLang="en-US" dirty="0" err="1"/>
+              <a:t>좌표계에서</a:t>
+            </a:r>
+            <a:r>
+              <a:rPr lang="ko-KR" altLang="en-US" dirty="0"/>
+              <a:t> 표현하는 것</a:t>
+            </a:r>
+            <a:endParaRPr lang="en-US" altLang="ko-KR" dirty="0"/>
+          </a:p>
+          <a:p>
+            <a:pPr lvl="1"/>
+            <a:r>
+              <a:rPr lang="en-US" altLang="ko-KR" dirty="0"/>
+              <a:t>3</a:t>
+            </a:r>
+            <a:r>
+              <a:rPr lang="ko-KR" altLang="en-US" dirty="0"/>
+              <a:t>차원의 </a:t>
+            </a:r>
+            <a:r>
+              <a:rPr lang="ko-KR" altLang="en-US" dirty="0" err="1"/>
+              <a:t>실세계</a:t>
+            </a:r>
+            <a:r>
+              <a:rPr lang="ko-KR" altLang="en-US" dirty="0"/>
+              <a:t> 좌표를 투영 </a:t>
+            </a:r>
+            <a:r>
+              <a:rPr lang="ko-KR" altLang="en-US" dirty="0" err="1"/>
+              <a:t>스크린상의</a:t>
+            </a:r>
+            <a:r>
+              <a:rPr lang="ko-KR" altLang="en-US" dirty="0"/>
+              <a:t> </a:t>
+            </a:r>
+            <a:r>
+              <a:rPr lang="en-US" altLang="ko-KR" dirty="0"/>
+              <a:t>2</a:t>
+            </a:r>
+            <a:r>
+              <a:rPr lang="ko-KR" altLang="en-US" dirty="0"/>
+              <a:t>차원 좌표로 표현할 수 있도록 변환해 </a:t>
+            </a:r>
+            <a:r>
+              <a:rPr lang="ko-KR" altLang="en-US" dirty="0" err="1"/>
+              <a:t>주는것</a:t>
+            </a:r>
+            <a:endParaRPr lang="ko-KR" altLang="en-US" dirty="0"/>
+          </a:p>
+        </p:txBody>
+      </p:sp>
+      <p:pic>
+        <p:nvPicPr>
+          <p:cNvPr id="4" name="Picture 2"/>
+          <p:cNvPicPr>
+            <a:picLocks noChangeAspect="1" noChangeArrowheads="1"/>
+          </p:cNvPicPr>
+          <p:nvPr/>
+        </p:nvPicPr>
+        <p:blipFill>
+          <a:blip r:embed="rId2">
+            <a:extLst>
+              <a:ext uri="{28A0092B-C50C-407E-A947-70E740481C1C}">
+                <a14:useLocalDpi xmlns:a14="http://schemas.microsoft.com/office/drawing/2010/main" val="0"/>
+              </a:ext>
+            </a:extLst>
+          </a:blip>
+          <a:srcRect/>
+          <a:stretch>
+            <a:fillRect/>
+          </a:stretch>
+        </p:blipFill>
+        <p:spPr bwMode="auto">
+          <a:xfrm>
+            <a:off x="3707904" y="1988840"/>
+            <a:ext cx="4749750" cy="3538080"/>
+          </a:xfrm>
+          <a:prstGeom prst="rect">
+            <a:avLst/>
+          </a:prstGeom>
+          <a:noFill/>
+          <a:ln>
+            <a:noFill/>
+          </a:ln>
+          <a:extLst>
+            <a:ext uri="{909E8E84-426E-40DD-AFC4-6F175D3DCCD1}">
+              <a14:hiddenFill xmlns:a14="http://schemas.microsoft.com/office/drawing/2010/main">
+                <a:solidFill>
+                  <a:schemeClr val="accent1"/>
+                </a:solidFill>
+              </a14:hiddenFill>
+            </a:ext>
+            <a:ext uri="{91240B29-F687-4F45-9708-019B960494DF}">
+              <a14:hiddenLine xmlns:a14="http://schemas.microsoft.com/office/drawing/2010/main" w="9525">
+                <a:solidFill>
+                  <a:schemeClr val="tx1"/>
+                </a:solidFill>
+                <a:miter lim="800000"/>
+                <a:headEnd/>
+                <a:tailEnd/>
+              </a14:hiddenLine>
+            </a:ext>
+          </a:extLst>
+        </p:spPr>
+      </p:pic>
+    </p:spTree>
+    <p:extLst>
+      <p:ext uri="{BB962C8B-B14F-4D97-AF65-F5344CB8AC3E}">
+        <p14:creationId xmlns:p14="http://schemas.microsoft.com/office/powerpoint/2010/main" val="1765224510"/>
+      </p:ext>
+    </p:extLst>
+  </p:cSld>
+  <p:clrMapOvr>
+    <a:masterClrMapping/>
+  </p:clrMapOvr>
+</p:sld>
+</file>
+
+<file path=ppt/slides/slide15.xml><?xml version="1.0" encoding="utf-8"?>
+<p:sld xmlns:a="http://schemas.openxmlformats.org/drawingml/2006/main" xmlns:r="http://schemas.openxmlformats.org/officeDocument/2006/relationships" xmlns:p="http://schemas.openxmlformats.org/presentationml/2006/main">
+  <p:cSld>
+    <p:spTree>
+      <p:nvGrpSpPr>
+        <p:cNvPr id="1" name=""/>
+        <p:cNvGrpSpPr/>
+        <p:nvPr/>
+      </p:nvGrpSpPr>
+      <p:grpSpPr>
+        <a:xfrm>
+          <a:off x="0" y="0"/>
+          <a:ext cx="0" cy="0"/>
+          <a:chOff x="0" y="0"/>
+          <a:chExt cx="0" cy="0"/>
+        </a:xfrm>
+      </p:grpSpPr>
+      <p:sp>
+        <p:nvSpPr>
+          <p:cNvPr id="2" name="제목 1"/>
+          <p:cNvSpPr>
+            <a:spLocks noGrp="1"/>
+          </p:cNvSpPr>
+          <p:nvPr>
+            <p:ph type="title"/>
+          </p:nvPr>
+        </p:nvSpPr>
+        <p:spPr/>
+        <p:txBody>
+          <a:bodyPr/>
+          <a:lstStyle/>
+          <a:p>
+            <a:r>
+              <a:rPr lang="en-US" altLang="ko-KR" dirty="0"/>
+              <a:t>4.6 </a:t>
+            </a:r>
+            <a:r>
+              <a:rPr lang="ko-KR" altLang="en-US" dirty="0"/>
+              <a:t>영상의 크기 변환과 회전</a:t>
+            </a:r>
+          </a:p>
+        </p:txBody>
+      </p:sp>
+      <p:sp>
+        <p:nvSpPr>
+          <p:cNvPr id="3" name="내용 개체 틀 2"/>
+          <p:cNvSpPr>
+            <a:spLocks noGrp="1"/>
+          </p:cNvSpPr>
+          <p:nvPr>
+            <p:ph idx="1"/>
+          </p:nvPr>
+        </p:nvSpPr>
+        <p:spPr/>
+        <p:txBody>
+          <a:bodyPr/>
+          <a:lstStyle/>
+          <a:p>
+            <a:r>
+              <a:rPr lang="ko-KR" altLang="en-US" dirty="0"/>
+              <a:t>원근 변환을 수행하는 행렬</a:t>
+            </a:r>
+            <a:endParaRPr lang="en-US" altLang="ko-KR" dirty="0"/>
+          </a:p>
+          <a:p>
+            <a:pPr lvl="2"/>
+            <a:endParaRPr lang="en-US" altLang="ko-KR" dirty="0"/>
+          </a:p>
+          <a:p>
+            <a:pPr lvl="2"/>
+            <a:endParaRPr lang="en-US" altLang="ko-KR" dirty="0"/>
+          </a:p>
+          <a:p>
+            <a:pPr lvl="2"/>
+            <a:endParaRPr lang="en-US" altLang="ko-KR" dirty="0"/>
+          </a:p>
+          <a:p>
+            <a:endParaRPr lang="en-US" altLang="ko-KR" dirty="0" smtClean="0"/>
+          </a:p>
+          <a:p>
+            <a:endParaRPr lang="en-US" altLang="ko-KR" dirty="0"/>
+          </a:p>
+          <a:p>
+            <a:pPr marL="0" indent="0">
+              <a:buNone/>
+            </a:pPr>
+            <a:endParaRPr lang="en-US" altLang="ko-KR" dirty="0"/>
+          </a:p>
+          <a:p>
+            <a:r>
+              <a:rPr lang="en-US" altLang="ko-KR" dirty="0" err="1" smtClean="0"/>
+              <a:t>OpenCV</a:t>
+            </a:r>
+            <a:r>
+              <a:rPr lang="en-US" altLang="ko-KR" dirty="0" smtClean="0"/>
+              <a:t> </a:t>
+            </a:r>
+            <a:r>
+              <a:rPr lang="ko-KR" altLang="en-US" dirty="0"/>
+              <a:t>함수</a:t>
+            </a:r>
+            <a:endParaRPr lang="en-US" altLang="ko-KR" dirty="0"/>
+          </a:p>
+          <a:p>
+            <a:pPr lvl="1"/>
+            <a:r>
+              <a:rPr lang="en-US" altLang="ko-KR" dirty="0"/>
+              <a:t>cv::</a:t>
+            </a:r>
+            <a:r>
+              <a:rPr lang="en-US" altLang="ko-KR" dirty="0" err="1"/>
+              <a:t>getPerspectiveTransform</a:t>
+            </a:r>
+            <a:r>
+              <a:rPr lang="en-US" altLang="ko-KR" dirty="0"/>
+              <a:t>() </a:t>
+            </a:r>
+            <a:r>
+              <a:rPr lang="ko-KR" altLang="en-US" dirty="0"/>
+              <a:t>함수 </a:t>
+            </a:r>
+            <a:endParaRPr lang="en-US" altLang="ko-KR" dirty="0"/>
+          </a:p>
+          <a:p>
+            <a:pPr lvl="2"/>
+            <a:r>
+              <a:rPr lang="en-US" altLang="ko-KR" dirty="0"/>
+              <a:t>4</a:t>
+            </a:r>
+            <a:r>
+              <a:rPr lang="ko-KR" altLang="en-US" dirty="0"/>
+              <a:t>개의 </a:t>
+            </a:r>
+            <a:r>
+              <a:rPr lang="ko-KR" altLang="en-US" dirty="0" err="1"/>
+              <a:t>좌표쌍으로부터</a:t>
+            </a:r>
+            <a:r>
+              <a:rPr lang="ko-KR" altLang="en-US" dirty="0"/>
+              <a:t> </a:t>
+            </a:r>
+            <a:r>
+              <a:rPr lang="ko-KR" altLang="en-US" dirty="0" err="1"/>
+              <a:t>원근변환</a:t>
+            </a:r>
+            <a:r>
+              <a:rPr lang="ko-KR" altLang="en-US" dirty="0"/>
+              <a:t> 행렬을 계산</a:t>
+            </a:r>
+            <a:endParaRPr lang="en-US" altLang="ko-KR" dirty="0"/>
+          </a:p>
+          <a:p>
+            <a:pPr lvl="1"/>
+            <a:r>
+              <a:rPr lang="en-US" altLang="ko-KR" dirty="0"/>
+              <a:t>cv::</a:t>
+            </a:r>
+            <a:r>
+              <a:rPr lang="en-US" altLang="ko-KR" dirty="0" err="1"/>
+              <a:t>warpPerspective</a:t>
+            </a:r>
+            <a:r>
+              <a:rPr lang="en-US" altLang="ko-KR" dirty="0"/>
+              <a:t>() </a:t>
+            </a:r>
+            <a:r>
+              <a:rPr lang="ko-KR" altLang="en-US" dirty="0"/>
+              <a:t>함수</a:t>
+            </a:r>
+            <a:endParaRPr lang="en-US" altLang="ko-KR" dirty="0"/>
+          </a:p>
+          <a:p>
+            <a:pPr lvl="2"/>
+            <a:r>
+              <a:rPr lang="ko-KR" altLang="en-US" dirty="0" err="1"/>
+              <a:t>원근변환</a:t>
+            </a:r>
+            <a:r>
+              <a:rPr lang="ko-KR" altLang="en-US" dirty="0"/>
+              <a:t> 행렬에 따라서 </a:t>
+            </a:r>
+            <a:r>
+              <a:rPr lang="ko-KR" altLang="en-US" dirty="0" err="1"/>
+              <a:t>원근변환</a:t>
+            </a:r>
+            <a:r>
+              <a:rPr lang="ko-KR" altLang="en-US" dirty="0"/>
+              <a:t> 수행</a:t>
+            </a:r>
+            <a:endParaRPr lang="en-US" altLang="ko-KR" dirty="0"/>
+          </a:p>
+          <a:p>
+            <a:pPr lvl="1"/>
+            <a:r>
+              <a:rPr lang="en-US" altLang="ko-KR" dirty="0"/>
+              <a:t>cv::transform() </a:t>
+            </a:r>
+            <a:r>
+              <a:rPr lang="ko-KR" altLang="en-US" dirty="0"/>
+              <a:t>함수</a:t>
+            </a:r>
+            <a:endParaRPr lang="en-US" altLang="ko-KR" dirty="0"/>
+          </a:p>
+          <a:p>
+            <a:pPr lvl="2"/>
+            <a:r>
+              <a:rPr lang="ko-KR" altLang="en-US" dirty="0" err="1"/>
+              <a:t>입력영상의</a:t>
+            </a:r>
+            <a:r>
+              <a:rPr lang="ko-KR" altLang="en-US" dirty="0"/>
+              <a:t> </a:t>
+            </a:r>
+            <a:r>
+              <a:rPr lang="en-US" altLang="ko-KR" dirty="0"/>
+              <a:t>4</a:t>
+            </a:r>
+            <a:r>
+              <a:rPr lang="ko-KR" altLang="en-US" dirty="0"/>
+              <a:t>개 좌표와 원근 행렬을 인수로 입력하면 원근 변환된 좌표를 반환</a:t>
+            </a:r>
+          </a:p>
+          <a:p>
+            <a:endParaRPr lang="ko-KR" altLang="en-US" dirty="0"/>
+          </a:p>
+        </p:txBody>
+      </p:sp>
+      <p:pic>
+        <p:nvPicPr>
+          <p:cNvPr id="4" name="Picture 2"/>
+          <p:cNvPicPr>
+            <a:picLocks noChangeAspect="1" noChangeArrowheads="1"/>
+          </p:cNvPicPr>
+          <p:nvPr/>
+        </p:nvPicPr>
+        <p:blipFill>
+          <a:blip r:embed="rId2">
+            <a:extLst>
+              <a:ext uri="{28A0092B-C50C-407E-A947-70E740481C1C}">
+                <a14:useLocalDpi xmlns:a14="http://schemas.microsoft.com/office/drawing/2010/main" val="0"/>
+              </a:ext>
+            </a:extLst>
+          </a:blip>
+          <a:srcRect/>
+          <a:stretch>
+            <a:fillRect/>
+          </a:stretch>
+        </p:blipFill>
+        <p:spPr bwMode="auto">
+          <a:xfrm>
+            <a:off x="1250373" y="1340768"/>
+            <a:ext cx="3321627" cy="1339031"/>
+          </a:xfrm>
+          <a:prstGeom prst="rect">
+            <a:avLst/>
+          </a:prstGeom>
+          <a:noFill/>
+          <a:ln>
+            <a:noFill/>
+          </a:ln>
+          <a:extLst>
+            <a:ext uri="{909E8E84-426E-40DD-AFC4-6F175D3DCCD1}">
+              <a14:hiddenFill xmlns:a14="http://schemas.microsoft.com/office/drawing/2010/main">
+                <a:solidFill>
+                  <a:schemeClr val="accent1"/>
+                </a:solidFill>
+              </a14:hiddenFill>
+            </a:ext>
+            <a:ext uri="{91240B29-F687-4F45-9708-019B960494DF}">
+              <a14:hiddenLine xmlns:a14="http://schemas.microsoft.com/office/drawing/2010/main" w="9525">
+                <a:solidFill>
+                  <a:schemeClr val="tx1"/>
+                </a:solidFill>
+                <a:miter lim="800000"/>
+                <a:headEnd/>
+                <a:tailEnd/>
+              </a14:hiddenLine>
+            </a:ext>
+          </a:extLst>
+        </p:spPr>
+      </p:pic>
+    </p:spTree>
+    <p:extLst>
+      <p:ext uri="{BB962C8B-B14F-4D97-AF65-F5344CB8AC3E}">
+        <p14:creationId xmlns:p14="http://schemas.microsoft.com/office/powerpoint/2010/main" val="3851089407"/>
+      </p:ext>
+    </p:extLst>
+  </p:cSld>
+  <p:clrMapOvr>
+    <a:masterClrMapping/>
+  </p:clrMapOvr>
+</p:sld>
+</file>
+
+<file path=ppt/slides/slide16.xml><?xml version="1.0" encoding="utf-8"?>
+<p:sld xmlns:a="http://schemas.openxmlformats.org/drawingml/2006/main" xmlns:r="http://schemas.openxmlformats.org/officeDocument/2006/relationships" xmlns:p="http://schemas.openxmlformats.org/presentationml/2006/main">
+  <p:cSld>
+    <p:spTree>
+      <p:nvGrpSpPr>
+        <p:cNvPr id="1" name=""/>
+        <p:cNvGrpSpPr/>
+        <p:nvPr/>
+      </p:nvGrpSpPr>
+      <p:grpSpPr>
+        <a:xfrm>
+          <a:off x="0" y="0"/>
+          <a:ext cx="0" cy="0"/>
+          <a:chOff x="0" y="0"/>
+          <a:chExt cx="0" cy="0"/>
+        </a:xfrm>
+      </p:grpSpPr>
+      <p:sp>
+        <p:nvSpPr>
+          <p:cNvPr id="2" name="제목 1"/>
+          <p:cNvSpPr>
+            <a:spLocks noGrp="1"/>
+          </p:cNvSpPr>
+          <p:nvPr>
+            <p:ph type="title"/>
+          </p:nvPr>
+        </p:nvSpPr>
+        <p:spPr/>
+        <p:txBody>
+          <a:bodyPr/>
+          <a:lstStyle/>
+          <a:p>
+            <a:r>
+              <a:rPr lang="en-US" altLang="ko-KR" dirty="0" smtClean="0"/>
+              <a:t>4.7 </a:t>
+            </a:r>
+            <a:r>
+              <a:rPr lang="ko-KR" altLang="en-US" dirty="0" err="1"/>
+              <a:t>산술연산</a:t>
+            </a:r>
+            <a:r>
+              <a:rPr lang="en-US" altLang="ko-KR" dirty="0"/>
+              <a:t>, </a:t>
+            </a:r>
+            <a:r>
+              <a:rPr lang="ko-KR" altLang="en-US" dirty="0" err="1"/>
+              <a:t>비트연산</a:t>
+            </a:r>
+            <a:r>
+              <a:rPr lang="en-US" altLang="ko-KR" dirty="0"/>
+              <a:t>, </a:t>
+            </a:r>
+            <a:r>
+              <a:rPr lang="ko-KR" altLang="en-US" dirty="0"/>
+              <a:t>비교 범위</a:t>
+            </a:r>
+            <a:r>
+              <a:rPr lang="en-US" altLang="ko-KR" dirty="0"/>
+              <a:t>, </a:t>
+            </a:r>
+            <a:r>
+              <a:rPr lang="ko-KR" altLang="en-US" dirty="0" err="1"/>
+              <a:t>수치연산</a:t>
+            </a:r>
+            <a:r>
+              <a:rPr lang="ko-KR" altLang="en-US" dirty="0"/>
+              <a:t> 함수</a:t>
+            </a:r>
+          </a:p>
+        </p:txBody>
+      </p:sp>
+      <p:sp>
+        <p:nvSpPr>
+          <p:cNvPr id="3" name="내용 개체 틀 2"/>
+          <p:cNvSpPr>
+            <a:spLocks noGrp="1"/>
+          </p:cNvSpPr>
+          <p:nvPr>
+            <p:ph idx="1"/>
+          </p:nvPr>
+        </p:nvSpPr>
+        <p:spPr/>
+        <p:txBody>
+          <a:bodyPr/>
+          <a:lstStyle/>
+          <a:p>
+            <a:r>
+              <a:rPr lang="en-US" altLang="ko-KR" dirty="0"/>
+              <a:t> </a:t>
+            </a:r>
+            <a:r>
+              <a:rPr lang="ko-KR" altLang="en-US" dirty="0" smtClean="0"/>
+              <a:t>연산 관련 </a:t>
+            </a:r>
+            <a:r>
+              <a:rPr lang="en-US" altLang="ko-KR" dirty="0" smtClean="0"/>
+              <a:t>cv2 </a:t>
+            </a:r>
+            <a:r>
+              <a:rPr lang="ko-KR" altLang="en-US" dirty="0" err="1" smtClean="0"/>
+              <a:t>메소드</a:t>
+            </a:r>
+            <a:r>
+              <a:rPr lang="en-US" altLang="ko-KR" dirty="0"/>
+              <a:t>:</a:t>
+            </a:r>
+            <a:endParaRPr lang="en-US" altLang="ko-KR" dirty="0" smtClean="0"/>
+          </a:p>
+          <a:p>
+            <a:pPr lvl="1"/>
+            <a:r>
+              <a:rPr lang="ko-KR" altLang="en-US" dirty="0" smtClean="0"/>
+              <a:t>사칙 연산</a:t>
+            </a:r>
+            <a:endParaRPr lang="en-US" altLang="ko-KR" dirty="0"/>
+          </a:p>
+          <a:p>
+            <a:pPr lvl="2"/>
+            <a:r>
+              <a:rPr lang="en-US" altLang="ko-KR" dirty="0"/>
+              <a:t> </a:t>
+            </a:r>
+            <a:r>
+              <a:rPr lang="en-US" altLang="ko-KR" dirty="0" smtClean="0"/>
+              <a:t>add, </a:t>
+            </a:r>
+            <a:r>
+              <a:rPr lang="en-US" altLang="ko-KR" dirty="0" err="1" smtClean="0"/>
+              <a:t>addWeighted</a:t>
+            </a:r>
+            <a:r>
+              <a:rPr lang="en-US" altLang="ko-KR" dirty="0" smtClean="0"/>
+              <a:t>, subtract, </a:t>
+            </a:r>
+            <a:r>
+              <a:rPr lang="en-US" altLang="ko-KR" dirty="0" err="1" smtClean="0"/>
+              <a:t>scaleAdd</a:t>
+            </a:r>
+            <a:r>
+              <a:rPr lang="en-US" altLang="ko-KR" dirty="0" smtClean="0"/>
+              <a:t>, multiply</a:t>
+            </a:r>
+          </a:p>
+          <a:p>
+            <a:pPr lvl="2"/>
+            <a:endParaRPr lang="en-US" altLang="ko-KR" dirty="0"/>
+          </a:p>
+          <a:p>
+            <a:pPr lvl="1"/>
+            <a:r>
+              <a:rPr lang="ko-KR" altLang="en-US" dirty="0" smtClean="0"/>
+              <a:t>비트 연산</a:t>
+            </a:r>
+            <a:endParaRPr lang="en-US" altLang="ko-KR" dirty="0" smtClean="0"/>
+          </a:p>
+          <a:p>
+            <a:pPr lvl="2"/>
+            <a:r>
+              <a:rPr lang="en-US" altLang="ko-KR" dirty="0" smtClean="0"/>
+              <a:t> </a:t>
+            </a:r>
+            <a:r>
+              <a:rPr lang="en-US" altLang="ko-KR" dirty="0" err="1" smtClean="0"/>
+              <a:t>bitwise_not</a:t>
+            </a:r>
+            <a:r>
+              <a:rPr lang="en-US" altLang="ko-KR" dirty="0" smtClean="0"/>
+              <a:t>, </a:t>
+            </a:r>
+            <a:r>
+              <a:rPr lang="en-US" altLang="ko-KR" dirty="0" err="1" smtClean="0"/>
+              <a:t>bitwise_and</a:t>
+            </a:r>
+            <a:r>
+              <a:rPr lang="en-US" altLang="ko-KR" dirty="0" smtClean="0"/>
+              <a:t>, </a:t>
+            </a:r>
+            <a:r>
+              <a:rPr lang="en-US" altLang="ko-KR" dirty="0" err="1" smtClean="0"/>
+              <a:t>bitwise_or</a:t>
+            </a:r>
+            <a:r>
+              <a:rPr lang="en-US" altLang="ko-KR" dirty="0" smtClean="0"/>
+              <a:t>, bitwise_</a:t>
+            </a:r>
+            <a:r>
+              <a:rPr lang="ko-KR" altLang="en-US" dirty="0" err="1" smtClean="0"/>
+              <a:t>택</a:t>
+            </a:r>
+            <a:endParaRPr lang="en-US" altLang="ko-KR" dirty="0" smtClean="0"/>
+          </a:p>
+          <a:p>
+            <a:pPr lvl="2"/>
+            <a:endParaRPr lang="en-US" altLang="ko-KR" dirty="0"/>
+          </a:p>
+          <a:p>
+            <a:pPr lvl="1"/>
+            <a:r>
+              <a:rPr lang="ko-KR" altLang="en-US" dirty="0" smtClean="0"/>
+              <a:t>비교범위연산</a:t>
+            </a:r>
+            <a:endParaRPr lang="en-US" altLang="ko-KR" dirty="0" smtClean="0"/>
+          </a:p>
+          <a:p>
+            <a:pPr lvl="2"/>
+            <a:r>
+              <a:rPr lang="en-US" altLang="ko-KR" dirty="0"/>
+              <a:t> </a:t>
+            </a:r>
+            <a:r>
+              <a:rPr lang="en-US" altLang="ko-KR" dirty="0" smtClean="0"/>
+              <a:t>compare, </a:t>
+            </a:r>
+            <a:r>
+              <a:rPr lang="en-US" altLang="ko-KR" dirty="0" err="1" smtClean="0"/>
+              <a:t>checkRange</a:t>
+            </a:r>
+            <a:r>
+              <a:rPr lang="en-US" altLang="ko-KR" dirty="0" smtClean="0"/>
+              <a:t>, </a:t>
+            </a:r>
+            <a:r>
+              <a:rPr lang="en-US" altLang="ko-KR" dirty="0" err="1" smtClean="0"/>
+              <a:t>inRange</a:t>
+            </a:r>
+            <a:endParaRPr lang="en-US" altLang="ko-KR" dirty="0" smtClean="0"/>
+          </a:p>
+          <a:p>
+            <a:pPr lvl="2"/>
+            <a:endParaRPr lang="en-US" altLang="ko-KR" dirty="0"/>
+          </a:p>
+          <a:p>
+            <a:pPr lvl="1"/>
+            <a:r>
+              <a:rPr lang="ko-KR" altLang="en-US" dirty="0" err="1" smtClean="0"/>
+              <a:t>수치연산</a:t>
+            </a:r>
+            <a:endParaRPr lang="en-US" altLang="ko-KR" dirty="0" smtClean="0"/>
+          </a:p>
+          <a:p>
+            <a:pPr lvl="2"/>
+            <a:r>
+              <a:rPr lang="en-US" altLang="ko-KR" dirty="0" err="1" smtClean="0"/>
+              <a:t>Absdiff</a:t>
+            </a:r>
+            <a:r>
+              <a:rPr lang="en-US" altLang="ko-KR" dirty="0" smtClean="0"/>
+              <a:t>, </a:t>
+            </a:r>
+            <a:r>
+              <a:rPr lang="en-US" altLang="ko-KR" dirty="0" err="1" smtClean="0"/>
+              <a:t>convertScaleAbs</a:t>
+            </a:r>
+            <a:r>
+              <a:rPr lang="en-US" altLang="ko-KR" dirty="0" smtClean="0"/>
+              <a:t>, </a:t>
+            </a:r>
+            <a:r>
+              <a:rPr lang="en-US" altLang="ko-KR" dirty="0" err="1" smtClean="0"/>
+              <a:t>exp</a:t>
+            </a:r>
+            <a:r>
+              <a:rPr lang="en-US" altLang="ko-KR" dirty="0" smtClean="0"/>
+              <a:t>, log, pow, </a:t>
+            </a:r>
+            <a:r>
+              <a:rPr lang="en-US" altLang="ko-KR" dirty="0" err="1" smtClean="0"/>
+              <a:t>sqrt</a:t>
+            </a:r>
+            <a:r>
+              <a:rPr lang="en-US" altLang="ko-KR" dirty="0" smtClean="0"/>
+              <a:t>, magnitude, phase, </a:t>
+            </a:r>
+            <a:r>
+              <a:rPr lang="en-US" altLang="ko-KR" dirty="0" err="1" smtClean="0"/>
+              <a:t>cartToPolar</a:t>
+            </a:r>
+            <a:r>
+              <a:rPr lang="en-US" altLang="ko-KR" dirty="0" smtClean="0"/>
+              <a:t>, </a:t>
+            </a:r>
+            <a:r>
+              <a:rPr lang="en-US" altLang="ko-KR" dirty="0" err="1" smtClean="0"/>
+              <a:t>polarToCart</a:t>
+            </a:r>
+            <a:endParaRPr lang="en-US" altLang="ko-KR" dirty="0" smtClean="0"/>
+          </a:p>
+          <a:p>
+            <a:pPr lvl="2"/>
+            <a:endParaRPr lang="en-US" altLang="ko-KR" dirty="0"/>
+          </a:p>
+          <a:p>
+            <a:pPr lvl="1"/>
+            <a:endParaRPr lang="en-US" altLang="ko-KR" dirty="0" smtClean="0"/>
+          </a:p>
+          <a:p>
+            <a:r>
+              <a:rPr lang="en-US" altLang="ko-KR" dirty="0" err="1" smtClean="0"/>
+              <a:t>Numpy</a:t>
+            </a:r>
+            <a:r>
+              <a:rPr lang="en-US" altLang="ko-KR" dirty="0" smtClean="0"/>
+              <a:t> </a:t>
+            </a:r>
+            <a:r>
+              <a:rPr lang="ko-KR" altLang="en-US" dirty="0" smtClean="0"/>
+              <a:t>연산자를 통해 연산을 하면 범위가 넘어갈 경우 </a:t>
+            </a:r>
+            <a:r>
+              <a:rPr lang="en-US" altLang="ko-KR" dirty="0" smtClean="0"/>
+              <a:t>256</a:t>
+            </a:r>
+            <a:r>
+              <a:rPr lang="ko-KR" altLang="en-US" dirty="0" smtClean="0"/>
+              <a:t>을 빼거나 더해서 돌려준다</a:t>
+            </a:r>
+            <a:r>
+              <a:rPr lang="en-US" altLang="ko-KR" dirty="0" smtClean="0"/>
+              <a:t>.</a:t>
+            </a:r>
+            <a:endParaRPr lang="ko-KR" altLang="en-US" dirty="0"/>
+          </a:p>
+        </p:txBody>
+      </p:sp>
+    </p:spTree>
+    <p:extLst>
+      <p:ext uri="{BB962C8B-B14F-4D97-AF65-F5344CB8AC3E}">
+        <p14:creationId xmlns:p14="http://schemas.microsoft.com/office/powerpoint/2010/main" val="1410248655"/>
+      </p:ext>
+    </p:extLst>
+  </p:cSld>
+  <p:clrMapOvr>
+    <a:masterClrMapping/>
+  </p:clrMapOvr>
+</p:sld>
+</file>
+
+<file path=ppt/slides/slide17.xml><?xml version="1.0" encoding="utf-8"?>
+<p:sld xmlns:a="http://schemas.openxmlformats.org/drawingml/2006/main" xmlns:r="http://schemas.openxmlformats.org/officeDocument/2006/relationships" xmlns:p="http://schemas.openxmlformats.org/presentationml/2006/main">
+  <p:cSld>
+    <p:spTree>
+      <p:nvGrpSpPr>
+        <p:cNvPr id="1" name=""/>
+        <p:cNvGrpSpPr/>
+        <p:nvPr/>
+      </p:nvGrpSpPr>
+      <p:grpSpPr>
+        <a:xfrm>
+          <a:off x="0" y="0"/>
+          <a:ext cx="0" cy="0"/>
+          <a:chOff x="0" y="0"/>
+          <a:chExt cx="0" cy="0"/>
+        </a:xfrm>
+      </p:grpSpPr>
+      <p:sp>
+        <p:nvSpPr>
+          <p:cNvPr id="2" name="제목 1"/>
+          <p:cNvSpPr>
+            <a:spLocks noGrp="1"/>
+          </p:cNvSpPr>
+          <p:nvPr>
+            <p:ph type="title"/>
+          </p:nvPr>
+        </p:nvSpPr>
+        <p:spPr/>
+        <p:txBody>
+          <a:bodyPr/>
+          <a:lstStyle/>
+          <a:p>
+            <a:r>
+              <a:rPr lang="en-US" altLang="ko-KR" dirty="0" smtClean="0"/>
+              <a:t>4.8 </a:t>
+            </a:r>
+            <a:r>
+              <a:rPr lang="ko-KR" altLang="en-US" dirty="0" smtClean="0"/>
+              <a:t>수학 및 통계 함수</a:t>
+            </a:r>
+            <a:endParaRPr lang="ko-KR" altLang="en-US" dirty="0"/>
+          </a:p>
+        </p:txBody>
+      </p:sp>
+      <p:sp>
+        <p:nvSpPr>
+          <p:cNvPr id="3" name="내용 개체 틀 2"/>
+          <p:cNvSpPr>
+            <a:spLocks noGrp="1"/>
+          </p:cNvSpPr>
+          <p:nvPr>
+            <p:ph idx="1"/>
+          </p:nvPr>
+        </p:nvSpPr>
+        <p:spPr/>
+        <p:txBody>
+          <a:bodyPr/>
+          <a:lstStyle/>
+          <a:p>
+            <a:r>
+              <a:rPr lang="ko-KR" altLang="en-US" dirty="0" smtClean="0"/>
+              <a:t>정규화</a:t>
+            </a:r>
+            <a:endParaRPr lang="en-US" altLang="ko-KR" dirty="0" smtClean="0"/>
+          </a:p>
+          <a:p>
+            <a:pPr lvl="1"/>
+            <a:r>
+              <a:rPr lang="en-US" altLang="ko-KR" dirty="0"/>
+              <a:t> </a:t>
+            </a:r>
+            <a:r>
+              <a:rPr lang="en-US" altLang="ko-KR" dirty="0" smtClean="0"/>
+              <a:t>norm, </a:t>
+            </a:r>
+            <a:r>
+              <a:rPr lang="en-US" altLang="ko-KR" dirty="0" err="1" smtClean="0"/>
+              <a:t>nomalize</a:t>
+            </a:r>
+            <a:endParaRPr lang="en-US" altLang="ko-KR" dirty="0" smtClean="0"/>
+          </a:p>
+          <a:p>
+            <a:r>
+              <a:rPr lang="ko-KR" altLang="en-US" dirty="0" err="1" smtClean="0"/>
+              <a:t>최대최소</a:t>
+            </a:r>
+            <a:endParaRPr lang="en-US" altLang="ko-KR" dirty="0" smtClean="0"/>
+          </a:p>
+          <a:p>
+            <a:pPr lvl="1"/>
+            <a:r>
+              <a:rPr lang="en-US" altLang="ko-KR" dirty="0" smtClean="0"/>
+              <a:t> min, max, </a:t>
+            </a:r>
+            <a:r>
+              <a:rPr lang="en-US" altLang="ko-KR" dirty="0" err="1" smtClean="0"/>
+              <a:t>minMaxLoc</a:t>
+            </a:r>
+            <a:endParaRPr lang="en-US" altLang="ko-KR" dirty="0" smtClean="0"/>
+          </a:p>
+          <a:p>
+            <a:r>
+              <a:rPr lang="ko-KR" altLang="en-US" dirty="0" smtClean="0"/>
+              <a:t>통계</a:t>
+            </a:r>
+            <a:endParaRPr lang="en-US" altLang="ko-KR" dirty="0" smtClean="0"/>
+          </a:p>
+          <a:p>
+            <a:pPr lvl="1"/>
+            <a:r>
+              <a:rPr lang="en-US" altLang="ko-KR" dirty="0" smtClean="0"/>
+              <a:t> </a:t>
+            </a:r>
+            <a:r>
+              <a:rPr lang="en-US" altLang="ko-KR" dirty="0" err="1" smtClean="0"/>
+              <a:t>countNonZero</a:t>
+            </a:r>
+            <a:r>
+              <a:rPr lang="en-US" altLang="ko-KR" dirty="0" smtClean="0"/>
+              <a:t>, reduce, mean, </a:t>
+            </a:r>
+            <a:r>
+              <a:rPr lang="en-US" altLang="ko-KR" dirty="0" err="1" smtClean="0"/>
+              <a:t>meanStdDev</a:t>
+            </a:r>
+            <a:r>
+              <a:rPr lang="en-US" altLang="ko-KR" dirty="0" smtClean="0"/>
+              <a:t>, </a:t>
+            </a:r>
+            <a:r>
+              <a:rPr lang="en-US" altLang="ko-KR" dirty="0" err="1" smtClean="0"/>
+              <a:t>calcCovarMatrix</a:t>
+            </a:r>
+            <a:r>
+              <a:rPr lang="en-US" altLang="ko-KR" dirty="0" smtClean="0"/>
+              <a:t>, </a:t>
+            </a:r>
+            <a:r>
+              <a:rPr lang="en-US" altLang="ko-KR" dirty="0" err="1" smtClean="0"/>
+              <a:t>Mahalanobis</a:t>
+            </a:r>
+            <a:endParaRPr lang="en-US" altLang="ko-KR" dirty="0" smtClean="0"/>
+          </a:p>
+          <a:p>
+            <a:r>
+              <a:rPr lang="ko-KR" altLang="en-US" dirty="0" err="1" smtClean="0"/>
+              <a:t>난수</a:t>
+            </a:r>
+            <a:endParaRPr lang="en-US" altLang="ko-KR" dirty="0" smtClean="0"/>
+          </a:p>
+          <a:p>
+            <a:pPr lvl="1"/>
+            <a:r>
+              <a:rPr lang="en-US" altLang="ko-KR" dirty="0"/>
+              <a:t> </a:t>
+            </a:r>
+            <a:r>
+              <a:rPr lang="en-US" altLang="ko-KR" dirty="0" err="1" smtClean="0"/>
+              <a:t>randu</a:t>
+            </a:r>
+            <a:r>
+              <a:rPr lang="en-US" altLang="ko-KR" dirty="0" smtClean="0"/>
+              <a:t>, </a:t>
+            </a:r>
+            <a:r>
+              <a:rPr lang="en-US" altLang="ko-KR" dirty="0" err="1" smtClean="0"/>
+              <a:t>dandn</a:t>
+            </a:r>
+            <a:r>
+              <a:rPr lang="en-US" altLang="ko-KR" dirty="0" smtClean="0"/>
+              <a:t>, </a:t>
+            </a:r>
+            <a:r>
+              <a:rPr lang="en-US" altLang="ko-KR" dirty="0" err="1" smtClean="0"/>
+              <a:t>randShuffle</a:t>
+            </a:r>
+            <a:endParaRPr lang="en-US" altLang="ko-KR" dirty="0" smtClean="0"/>
+          </a:p>
+          <a:p>
+            <a:r>
+              <a:rPr lang="ko-KR" altLang="en-US" dirty="0" smtClean="0"/>
+              <a:t>선형대수</a:t>
+            </a:r>
+            <a:endParaRPr lang="en-US" altLang="ko-KR" dirty="0" smtClean="0"/>
+          </a:p>
+          <a:p>
+            <a:pPr lvl="1"/>
+            <a:r>
+              <a:rPr lang="en-US" altLang="ko-KR" dirty="0"/>
+              <a:t> </a:t>
+            </a:r>
+            <a:r>
+              <a:rPr lang="en-US" altLang="ko-KR" dirty="0" err="1" smtClean="0"/>
+              <a:t>eigen</a:t>
+            </a:r>
+            <a:r>
+              <a:rPr lang="en-US" altLang="ko-KR" dirty="0" smtClean="0"/>
+              <a:t>, </a:t>
+            </a:r>
+            <a:r>
+              <a:rPr lang="en-US" altLang="ko-KR" dirty="0" err="1" smtClean="0"/>
+              <a:t>PCACompute</a:t>
+            </a:r>
+            <a:r>
+              <a:rPr lang="en-US" altLang="ko-KR" dirty="0" smtClean="0"/>
+              <a:t>, </a:t>
+            </a:r>
+            <a:r>
+              <a:rPr lang="en-US" altLang="ko-KR" dirty="0" err="1" smtClean="0"/>
+              <a:t>PCAProject</a:t>
+            </a:r>
+            <a:r>
+              <a:rPr lang="en-US" altLang="ko-KR" dirty="0" smtClean="0"/>
+              <a:t>, </a:t>
+            </a:r>
+            <a:r>
+              <a:rPr lang="en-US" altLang="ko-KR" dirty="0" err="1" smtClean="0"/>
+              <a:t>PCABackProject</a:t>
+            </a:r>
+            <a:endParaRPr lang="en-US" altLang="ko-KR" dirty="0" smtClean="0"/>
+          </a:p>
+          <a:p>
+            <a:r>
+              <a:rPr lang="ko-KR" altLang="en-US" dirty="0" smtClean="0"/>
+              <a:t>정렬</a:t>
+            </a:r>
+            <a:endParaRPr lang="en-US" altLang="ko-KR" dirty="0" smtClean="0"/>
+          </a:p>
+          <a:p>
+            <a:pPr lvl="1"/>
+            <a:r>
+              <a:rPr lang="en-US" altLang="ko-KR" dirty="0" smtClean="0"/>
+              <a:t> sort, </a:t>
+            </a:r>
+            <a:r>
+              <a:rPr lang="en-US" altLang="ko-KR" dirty="0" err="1" smtClean="0"/>
+              <a:t>sortIdx</a:t>
+            </a:r>
+            <a:endParaRPr lang="ko-KR" altLang="en-US" dirty="0"/>
+          </a:p>
+        </p:txBody>
+      </p:sp>
+    </p:spTree>
+    <p:extLst>
+      <p:ext uri="{BB962C8B-B14F-4D97-AF65-F5344CB8AC3E}">
+        <p14:creationId xmlns:p14="http://schemas.microsoft.com/office/powerpoint/2010/main" val="1984284156"/>
+      </p:ext>
+    </p:extLst>
+  </p:cSld>
+  <p:clrMapOvr>
+    <a:masterClrMapping/>
+  </p:clrMapOvr>
+</p:sld>
+</file>
+
 <file path=ppt/slides/slide2.xml><?xml version="1.0" encoding="utf-8"?>
 <p:sld xmlns:a="http://schemas.openxmlformats.org/drawingml/2006/main" xmlns:r="http://schemas.openxmlformats.org/officeDocument/2006/relationships" xmlns:p="http://schemas.openxmlformats.org/presentationml/2006/main">
   <p:cSld>
@@ -3531,11 +6243,7 @@
             </a:r>
             <a:r>
               <a:rPr lang="en-US" altLang="ko-KR" dirty="0" smtClean="0"/>
-              <a:t>[y, </a:t>
-            </a:r>
-            <a:r>
-              <a:rPr lang="en-US" altLang="ko-KR" dirty="0" smtClean="0"/>
-              <a:t>x, BGR]</a:t>
+              <a:t>[y, x, BGR]</a:t>
             </a:r>
           </a:p>
           <a:p>
@@ -4126,14 +6834,552 @@
           <a:bodyPr/>
           <a:lstStyle/>
           <a:p>
+            <a:r>
+              <a:rPr lang="ko-KR" altLang="en-US" dirty="0" err="1" smtClean="0"/>
+              <a:t>메소드를</a:t>
+            </a:r>
+            <a:r>
+              <a:rPr lang="ko-KR" altLang="en-US" dirty="0" smtClean="0"/>
+              <a:t> 사용하여 이미지 분리 병합</a:t>
+            </a:r>
+            <a:endParaRPr lang="en-US" altLang="ko-KR" dirty="0" smtClean="0"/>
+          </a:p>
+          <a:p>
+            <a:endParaRPr lang="en-US" altLang="ko-KR" dirty="0"/>
+          </a:p>
+          <a:p>
+            <a:endParaRPr lang="en-US" altLang="ko-KR" dirty="0" smtClean="0"/>
+          </a:p>
+          <a:p>
+            <a:endParaRPr lang="en-US" altLang="ko-KR" dirty="0"/>
+          </a:p>
+          <a:p>
+            <a:endParaRPr lang="en-US" altLang="ko-KR" dirty="0" smtClean="0"/>
+          </a:p>
+          <a:p>
+            <a:endParaRPr lang="en-US" altLang="ko-KR" dirty="0"/>
+          </a:p>
+          <a:p>
+            <a:r>
+              <a:rPr lang="ko-KR" altLang="en-US" dirty="0" smtClean="0"/>
+              <a:t>특정 </a:t>
+            </a:r>
+            <a:r>
+              <a:rPr lang="ko-KR" altLang="en-US" dirty="0" err="1" smtClean="0"/>
+              <a:t>채널값의</a:t>
+            </a:r>
+            <a:r>
+              <a:rPr lang="ko-KR" altLang="en-US" dirty="0" smtClean="0"/>
+              <a:t> 변경은 </a:t>
+            </a:r>
+            <a:r>
+              <a:rPr lang="ko-KR" altLang="en-US" dirty="0" err="1" smtClean="0"/>
+              <a:t>슬라이싱을</a:t>
+            </a:r>
+            <a:r>
+              <a:rPr lang="ko-KR" altLang="en-US" dirty="0" smtClean="0"/>
+              <a:t> 통해서 수행 </a:t>
+            </a:r>
             <a:endParaRPr lang="ko-KR" altLang="en-US" dirty="0"/>
           </a:p>
         </p:txBody>
       </p:sp>
+      <p:pic>
+        <p:nvPicPr>
+          <p:cNvPr id="4" name="그림 3"/>
+          <p:cNvPicPr>
+            <a:picLocks noChangeAspect="1"/>
+          </p:cNvPicPr>
+          <p:nvPr/>
+        </p:nvPicPr>
+        <p:blipFill>
+          <a:blip r:embed="rId2"/>
+          <a:stretch>
+            <a:fillRect/>
+          </a:stretch>
+        </p:blipFill>
+        <p:spPr>
+          <a:xfrm>
+            <a:off x="1043608" y="1340768"/>
+            <a:ext cx="5843037" cy="1224136"/>
+          </a:xfrm>
+          <a:prstGeom prst="rect">
+            <a:avLst/>
+          </a:prstGeom>
+        </p:spPr>
+      </p:pic>
+      <p:pic>
+        <p:nvPicPr>
+          <p:cNvPr id="5" name="그림 4"/>
+          <p:cNvPicPr>
+            <a:picLocks noChangeAspect="1"/>
+          </p:cNvPicPr>
+          <p:nvPr/>
+        </p:nvPicPr>
+        <p:blipFill>
+          <a:blip r:embed="rId3"/>
+          <a:stretch>
+            <a:fillRect/>
+          </a:stretch>
+        </p:blipFill>
+        <p:spPr>
+          <a:xfrm>
+            <a:off x="5508104" y="2564904"/>
+            <a:ext cx="2465077" cy="1020890"/>
+          </a:xfrm>
+          <a:prstGeom prst="rect">
+            <a:avLst/>
+          </a:prstGeom>
+        </p:spPr>
+      </p:pic>
+      <p:pic>
+        <p:nvPicPr>
+          <p:cNvPr id="6" name="그림 5"/>
+          <p:cNvPicPr>
+            <a:picLocks noChangeAspect="1"/>
+          </p:cNvPicPr>
+          <p:nvPr/>
+        </p:nvPicPr>
+        <p:blipFill>
+          <a:blip r:embed="rId4"/>
+          <a:stretch>
+            <a:fillRect/>
+          </a:stretch>
+        </p:blipFill>
+        <p:spPr>
+          <a:xfrm>
+            <a:off x="1431799" y="3084686"/>
+            <a:ext cx="3788273" cy="3631320"/>
+          </a:xfrm>
+          <a:prstGeom prst="rect">
+            <a:avLst/>
+          </a:prstGeom>
+        </p:spPr>
+      </p:pic>
     </p:spTree>
     <p:extLst>
       <p:ext uri="{BB962C8B-B14F-4D97-AF65-F5344CB8AC3E}">
         <p14:creationId xmlns:p14="http://schemas.microsoft.com/office/powerpoint/2010/main" val="696846864"/>
+      </p:ext>
+    </p:extLst>
+  </p:cSld>
+  <p:clrMapOvr>
+    <a:masterClrMapping/>
+  </p:clrMapOvr>
+</p:sld>
+</file>
+
+<file path=ppt/slides/slide9.xml><?xml version="1.0" encoding="utf-8"?>
+<p:sld xmlns:a="http://schemas.openxmlformats.org/drawingml/2006/main" xmlns:r="http://schemas.openxmlformats.org/officeDocument/2006/relationships" xmlns:p="http://schemas.openxmlformats.org/presentationml/2006/main">
+  <p:cSld>
+    <p:spTree>
+      <p:nvGrpSpPr>
+        <p:cNvPr id="1" name=""/>
+        <p:cNvGrpSpPr/>
+        <p:nvPr/>
+      </p:nvGrpSpPr>
+      <p:grpSpPr>
+        <a:xfrm>
+          <a:off x="0" y="0"/>
+          <a:ext cx="0" cy="0"/>
+          <a:chOff x="0" y="0"/>
+          <a:chExt cx="0" cy="0"/>
+        </a:xfrm>
+      </p:grpSpPr>
+      <p:sp>
+        <p:nvSpPr>
+          <p:cNvPr id="2" name="제목 1"/>
+          <p:cNvSpPr>
+            <a:spLocks noGrp="1"/>
+          </p:cNvSpPr>
+          <p:nvPr>
+            <p:ph type="title"/>
+          </p:nvPr>
+        </p:nvSpPr>
+        <p:spPr/>
+        <p:txBody>
+          <a:bodyPr/>
+          <a:lstStyle/>
+          <a:p>
+            <a:r>
+              <a:rPr lang="en-US" altLang="ko-KR" dirty="0" smtClean="0"/>
+              <a:t>4.5 </a:t>
+            </a:r>
+            <a:r>
+              <a:rPr lang="ko-KR" altLang="en-US" dirty="0" smtClean="0"/>
+              <a:t>컬러 공간 변화</a:t>
+            </a:r>
+            <a:endParaRPr lang="ko-KR" altLang="en-US" dirty="0"/>
+          </a:p>
+        </p:txBody>
+      </p:sp>
+      <p:sp>
+        <p:nvSpPr>
+          <p:cNvPr id="3" name="내용 개체 틀 2"/>
+          <p:cNvSpPr>
+            <a:spLocks noGrp="1"/>
+          </p:cNvSpPr>
+          <p:nvPr>
+            <p:ph idx="1"/>
+          </p:nvPr>
+        </p:nvSpPr>
+        <p:spPr/>
+        <p:txBody>
+          <a:bodyPr/>
+          <a:lstStyle/>
+          <a:p>
+            <a:r>
+              <a:rPr lang="en-US" altLang="ko-KR" dirty="0" smtClean="0"/>
+              <a:t>RGB </a:t>
+            </a:r>
+            <a:r>
+              <a:rPr lang="ko-KR" altLang="en-US" dirty="0" smtClean="0"/>
+              <a:t>컬러 공간</a:t>
+            </a:r>
+            <a:r>
+              <a:rPr lang="en-US" altLang="ko-KR" dirty="0" smtClean="0"/>
+              <a:t>(color-space )</a:t>
+            </a:r>
+          </a:p>
+          <a:p>
+            <a:pPr lvl="1"/>
+            <a:r>
+              <a:rPr lang="en-US" altLang="ko-KR" dirty="0"/>
+              <a:t>RGB </a:t>
+            </a:r>
+            <a:r>
+              <a:rPr lang="ko-KR" altLang="en-US" dirty="0"/>
+              <a:t>모델은 빛의 삼원색인 빨간색</a:t>
+            </a:r>
+            <a:r>
+              <a:rPr lang="en-US" altLang="ko-KR" dirty="0"/>
+              <a:t>, </a:t>
+            </a:r>
+            <a:r>
+              <a:rPr lang="ko-KR" altLang="en-US" dirty="0"/>
+              <a:t>초록색</a:t>
+            </a:r>
+            <a:r>
+              <a:rPr lang="en-US" altLang="ko-KR" dirty="0"/>
+              <a:t>, </a:t>
+            </a:r>
+            <a:r>
+              <a:rPr lang="ko-KR" altLang="en-US" dirty="0"/>
+              <a:t>파란색을 기본 색으로 </a:t>
+            </a:r>
+            <a:r>
+              <a:rPr lang="ko-KR" altLang="en-US" dirty="0" smtClean="0"/>
+              <a:t>사용</a:t>
+            </a:r>
+            <a:r>
+              <a:rPr lang="en-US" altLang="ko-KR" dirty="0" smtClean="0"/>
+              <a:t> </a:t>
+            </a:r>
+          </a:p>
+          <a:p>
+            <a:pPr lvl="1"/>
+            <a:r>
+              <a:rPr lang="ko-KR" altLang="en-US" dirty="0" smtClean="0"/>
+              <a:t>정육면체 </a:t>
+            </a:r>
+            <a:r>
+              <a:rPr lang="ko-KR" altLang="en-US" dirty="0"/>
+              <a:t>모델 형태로 </a:t>
+            </a:r>
+            <a:r>
+              <a:rPr lang="ko-KR" altLang="en-US" dirty="0" smtClean="0"/>
+              <a:t>표현</a:t>
+            </a:r>
+            <a:endParaRPr lang="en-US" altLang="ko-KR" dirty="0" smtClean="0"/>
+          </a:p>
+          <a:p>
+            <a:pPr lvl="1"/>
+            <a:endParaRPr lang="en-US" altLang="ko-KR" dirty="0"/>
+          </a:p>
+          <a:p>
+            <a:pPr lvl="1"/>
+            <a:endParaRPr lang="en-US" altLang="ko-KR" dirty="0" smtClean="0"/>
+          </a:p>
+          <a:p>
+            <a:pPr lvl="1"/>
+            <a:endParaRPr lang="en-US" altLang="ko-KR" dirty="0"/>
+          </a:p>
+          <a:p>
+            <a:pPr lvl="1"/>
+            <a:endParaRPr lang="en-US" altLang="ko-KR" dirty="0" smtClean="0"/>
+          </a:p>
+          <a:p>
+            <a:pPr lvl="1"/>
+            <a:endParaRPr lang="en-US" altLang="ko-KR" dirty="0"/>
+          </a:p>
+          <a:p>
+            <a:pPr marL="457200" lvl="1" indent="0">
+              <a:buNone/>
+            </a:pPr>
+            <a:endParaRPr lang="en-US" altLang="ko-KR" dirty="0" smtClean="0"/>
+          </a:p>
+          <a:p>
+            <a:r>
+              <a:rPr lang="en-US" altLang="ko-KR" dirty="0" smtClean="0"/>
+              <a:t>HSV </a:t>
+            </a:r>
+            <a:r>
+              <a:rPr lang="ko-KR" altLang="en-US" dirty="0" smtClean="0"/>
+              <a:t>컬러 공간</a:t>
+            </a:r>
+            <a:endParaRPr lang="en-US" altLang="ko-KR" dirty="0" smtClean="0"/>
+          </a:p>
+          <a:p>
+            <a:pPr lvl="1"/>
+            <a:r>
+              <a:rPr lang="ko-KR" altLang="en-US" dirty="0"/>
+              <a:t>이미지 처리에서 가장 많이 사용되는 형태의 </a:t>
+            </a:r>
+            <a:r>
+              <a:rPr lang="en-US" altLang="ko-KR" dirty="0"/>
+              <a:t>Color </a:t>
+            </a:r>
+            <a:r>
+              <a:rPr lang="ko-KR" altLang="en-US" dirty="0" smtClean="0"/>
+              <a:t>모델</a:t>
+            </a:r>
+            <a:endParaRPr lang="en-US" altLang="ko-KR" dirty="0" smtClean="0"/>
+          </a:p>
+          <a:p>
+            <a:pPr lvl="1"/>
+            <a:r>
+              <a:rPr lang="ko-KR" altLang="en-US" dirty="0"/>
+              <a:t>모델에서 색과 채도</a:t>
+            </a:r>
+            <a:r>
+              <a:rPr lang="en-US" altLang="ko-KR" dirty="0"/>
+              <a:t>, </a:t>
+            </a:r>
+            <a:r>
+              <a:rPr lang="ko-KR" altLang="en-US" dirty="0" smtClean="0"/>
+              <a:t>명도를 명확하게 알 수 있음</a:t>
+            </a:r>
+            <a:endParaRPr lang="en-US" altLang="ko-KR" dirty="0" smtClean="0"/>
+          </a:p>
+          <a:p>
+            <a:pPr lvl="1"/>
+            <a:r>
+              <a:rPr lang="en-US" altLang="ko-KR" dirty="0"/>
+              <a:t>H(</a:t>
+            </a:r>
+            <a:r>
+              <a:rPr lang="en-US" altLang="ko-KR" dirty="0" err="1"/>
+              <a:t>ue</a:t>
+            </a:r>
+            <a:r>
+              <a:rPr lang="en-US" altLang="ko-KR" dirty="0"/>
+              <a:t>) : </a:t>
+            </a:r>
+            <a:r>
+              <a:rPr lang="ko-KR" altLang="en-US" dirty="0"/>
+              <a:t>색상</a:t>
+            </a:r>
+            <a:r>
+              <a:rPr lang="en-US" altLang="ko-KR" dirty="0"/>
+              <a:t>. </a:t>
+            </a:r>
+            <a:r>
+              <a:rPr lang="ko-KR" altLang="en-US" dirty="0"/>
+              <a:t>일반적인 색을 의미함</a:t>
+            </a:r>
+            <a:r>
+              <a:rPr lang="en-US" altLang="ko-KR" dirty="0"/>
+              <a:t>. </a:t>
+            </a:r>
+            <a:r>
+              <a:rPr lang="ko-KR" altLang="en-US" dirty="0"/>
+              <a:t>원추모형에서 각도로 표현이 됨</a:t>
+            </a:r>
+            <a:r>
+              <a:rPr lang="en-US" altLang="ko-KR" dirty="0"/>
+              <a:t>.(0: Red, 120</a:t>
+            </a:r>
+            <a:r>
+              <a:rPr lang="ko-KR" altLang="en-US" dirty="0"/>
+              <a:t>도 </a:t>
+            </a:r>
+            <a:r>
+              <a:rPr lang="en-US" altLang="ko-KR" dirty="0"/>
+              <a:t>: Green, 240: Blue)</a:t>
+            </a:r>
+          </a:p>
+          <a:p>
+            <a:pPr lvl="1"/>
+            <a:r>
+              <a:rPr lang="en-US" altLang="ko-KR" dirty="0"/>
+              <a:t>S(</a:t>
+            </a:r>
+            <a:r>
+              <a:rPr lang="en-US" altLang="ko-KR" dirty="0" err="1"/>
+              <a:t>aturation</a:t>
+            </a:r>
+            <a:r>
+              <a:rPr lang="en-US" altLang="ko-KR" dirty="0"/>
+              <a:t>) : </a:t>
+            </a:r>
+            <a:r>
+              <a:rPr lang="ko-KR" altLang="en-US" dirty="0"/>
+              <a:t>채도</a:t>
+            </a:r>
+            <a:r>
+              <a:rPr lang="en-US" altLang="ko-KR" dirty="0"/>
+              <a:t>. </a:t>
+            </a:r>
+            <a:r>
+              <a:rPr lang="ko-KR" altLang="en-US" dirty="0" err="1"/>
+              <a:t>색읜</a:t>
+            </a:r>
+            <a:r>
+              <a:rPr lang="ko-KR" altLang="en-US" dirty="0"/>
+              <a:t> 순수성을 의미하며 일반적으로 짙다</a:t>
+            </a:r>
+            <a:r>
+              <a:rPr lang="en-US" altLang="ko-KR" dirty="0"/>
+              <a:t>, </a:t>
+            </a:r>
+            <a:r>
+              <a:rPr lang="ko-KR" altLang="en-US" dirty="0" err="1"/>
+              <a:t>흐리다로</a:t>
+            </a:r>
+            <a:r>
+              <a:rPr lang="ko-KR" altLang="en-US" dirty="0"/>
+              <a:t> 표현이 됨</a:t>
+            </a:r>
+            <a:r>
+              <a:rPr lang="en-US" altLang="ko-KR" dirty="0"/>
+              <a:t>. </a:t>
+            </a:r>
+            <a:r>
+              <a:rPr lang="ko-KR" altLang="en-US" dirty="0"/>
+              <a:t>중심에서 바깥쪽으로 이동하면 채도가 높음</a:t>
+            </a:r>
+            <a:r>
+              <a:rPr lang="en-US" altLang="ko-KR" dirty="0"/>
+              <a:t>.</a:t>
+            </a:r>
+          </a:p>
+          <a:p>
+            <a:pPr lvl="1"/>
+            <a:r>
+              <a:rPr lang="en-US" altLang="ko-KR" dirty="0"/>
+              <a:t>V(</a:t>
+            </a:r>
+            <a:r>
+              <a:rPr lang="en-US" altLang="ko-KR" dirty="0" err="1"/>
+              <a:t>alue</a:t>
+            </a:r>
+            <a:r>
+              <a:rPr lang="en-US" altLang="ko-KR" dirty="0"/>
+              <a:t>) : </a:t>
+            </a:r>
+            <a:r>
+              <a:rPr lang="ko-KR" altLang="en-US" dirty="0"/>
+              <a:t>명도</a:t>
+            </a:r>
+            <a:r>
+              <a:rPr lang="en-US" altLang="ko-KR" dirty="0"/>
+              <a:t>. </a:t>
+            </a:r>
+            <a:r>
+              <a:rPr lang="ko-KR" altLang="en-US" dirty="0"/>
+              <a:t>색의 밝고 어두운 정도</a:t>
+            </a:r>
+            <a:r>
+              <a:rPr lang="en-US" altLang="ko-KR" dirty="0"/>
+              <a:t>. </a:t>
+            </a:r>
+            <a:r>
+              <a:rPr lang="ko-KR" altLang="en-US" dirty="0" err="1"/>
+              <a:t>수직축의</a:t>
+            </a:r>
+            <a:r>
+              <a:rPr lang="ko-KR" altLang="en-US" dirty="0"/>
+              <a:t> 깊이로 표현</a:t>
+            </a:r>
+            <a:r>
+              <a:rPr lang="en-US" altLang="ko-KR" dirty="0"/>
+              <a:t>. </a:t>
+            </a:r>
+            <a:r>
+              <a:rPr lang="ko-KR" altLang="en-US" dirty="0"/>
+              <a:t>어둡다 </a:t>
+            </a:r>
+            <a:r>
+              <a:rPr lang="ko-KR" altLang="en-US" dirty="0" err="1"/>
+              <a:t>밝다로</a:t>
+            </a:r>
+            <a:r>
+              <a:rPr lang="ko-KR" altLang="en-US" dirty="0"/>
+              <a:t> 표현이 됨</a:t>
+            </a:r>
+            <a:r>
+              <a:rPr lang="en-US" altLang="ko-KR" dirty="0"/>
+              <a:t>.</a:t>
+            </a:r>
+          </a:p>
+          <a:p>
+            <a:pPr lvl="1"/>
+            <a:endParaRPr lang="ko-KR" altLang="en-US" dirty="0"/>
+          </a:p>
+        </p:txBody>
+      </p:sp>
+      <p:pic>
+        <p:nvPicPr>
+          <p:cNvPr id="4" name="그림 3"/>
+          <p:cNvPicPr>
+            <a:picLocks noChangeAspect="1"/>
+          </p:cNvPicPr>
+          <p:nvPr/>
+        </p:nvPicPr>
+        <p:blipFill>
+          <a:blip r:embed="rId2"/>
+          <a:stretch>
+            <a:fillRect/>
+          </a:stretch>
+        </p:blipFill>
+        <p:spPr>
+          <a:xfrm>
+            <a:off x="5863036" y="1556792"/>
+            <a:ext cx="2456107" cy="2088232"/>
+          </a:xfrm>
+          <a:prstGeom prst="rect">
+            <a:avLst/>
+          </a:prstGeom>
+        </p:spPr>
+      </p:pic>
+      <p:pic>
+        <p:nvPicPr>
+          <p:cNvPr id="5" name="그림 4"/>
+          <p:cNvPicPr>
+            <a:picLocks noChangeAspect="1"/>
+          </p:cNvPicPr>
+          <p:nvPr/>
+        </p:nvPicPr>
+        <p:blipFill>
+          <a:blip r:embed="rId3"/>
+          <a:stretch>
+            <a:fillRect/>
+          </a:stretch>
+        </p:blipFill>
+        <p:spPr>
+          <a:xfrm>
+            <a:off x="2483768" y="1900815"/>
+            <a:ext cx="3106688" cy="1744209"/>
+          </a:xfrm>
+          <a:prstGeom prst="rect">
+            <a:avLst/>
+          </a:prstGeom>
+        </p:spPr>
+      </p:pic>
+    </p:spTree>
+    <p:extLst>
+      <p:ext uri="{BB962C8B-B14F-4D97-AF65-F5344CB8AC3E}">
+        <p14:creationId xmlns:p14="http://schemas.microsoft.com/office/powerpoint/2010/main" val="3150310180"/>
       </p:ext>
     </p:extLst>
   </p:cSld>
